--- a/documentation/Hackathon presnetation.pptx
+++ b/documentation/Hackathon presnetation.pptx
@@ -7,6 +7,11 @@
   <p:sldIdLst>
     <p:sldId id="258" r:id="rId2"/>
     <p:sldId id="257" r:id="rId3"/>
+    <p:sldId id="259" r:id="rId4"/>
+    <p:sldId id="263" r:id="rId5"/>
+    <p:sldId id="260" r:id="rId6"/>
+    <p:sldId id="261" r:id="rId7"/>
+    <p:sldId id="262" r:id="rId8"/>
   </p:sldIdLst>
   <p:sldSz cx="12192000" cy="6858000"/>
   <p:notesSz cx="6858000" cy="9144000"/>
@@ -3379,6 +3384,60 @@
           <a:chExt cx="0" cy="0"/>
         </a:xfrm>
       </p:grpSpPr>
+      <p:pic>
+        <p:nvPicPr>
+          <p:cNvPr id="4" name="Picture 2" descr="Investing in network resilience: lessons for Germany from Portugal's blackout">
+            <a:extLst>
+              <a:ext uri="{FF2B5EF4-FFF2-40B4-BE49-F238E27FC236}">
+                <a16:creationId xmlns:a16="http://schemas.microsoft.com/office/drawing/2014/main" id="{5199E85A-C52F-D91B-9CD3-CA8A1C29AD5E}"/>
+              </a:ext>
+            </a:extLst>
+          </p:cNvPr>
+          <p:cNvPicPr>
+            <a:picLocks noChangeAspect="1" noChangeArrowheads="1"/>
+          </p:cNvPicPr>
+          <p:nvPr/>
+        </p:nvPicPr>
+        <p:blipFill>
+          <a:blip r:embed="rId2">
+            <a:extLst>
+              <a:ext uri="{28A0092B-C50C-407E-A947-70E740481C1C}">
+                <a14:useLocalDpi xmlns:a14="http://schemas.microsoft.com/office/drawing/2010/main" val="0"/>
+              </a:ext>
+            </a:extLst>
+          </a:blip>
+          <a:srcRect/>
+          <a:stretch>
+            <a:fillRect/>
+          </a:stretch>
+        </p:blipFill>
+        <p:spPr bwMode="auto">
+          <a:xfrm>
+            <a:off x="0" y="0"/>
+            <a:ext cx="12192000" cy="8128000"/>
+          </a:xfrm>
+          <a:prstGeom prst="rect">
+            <a:avLst/>
+          </a:prstGeom>
+          <a:noFill/>
+          <a:scene3d>
+            <a:camera prst="orthographicFront"/>
+            <a:lightRig rig="threePt" dir="t"/>
+          </a:scene3d>
+          <a:sp3d>
+            <a:bevelT/>
+          </a:sp3d>
+          <a:extLst>
+            <a:ext uri="{909E8E84-426E-40DD-AFC4-6F175D3DCCD1}">
+              <a14:hiddenFill xmlns:a14="http://schemas.microsoft.com/office/drawing/2010/main">
+                <a:solidFill>
+                  <a:srgbClr val="FFFFFF"/>
+                </a:solidFill>
+              </a14:hiddenFill>
+            </a:ext>
+          </a:extLst>
+        </p:spPr>
+      </p:pic>
       <p:sp>
         <p:nvSpPr>
           <p:cNvPr id="2" name="Title 1">
@@ -3395,7 +3454,12 @@
             <p:ph type="ctrTitle"/>
           </p:nvPr>
         </p:nvSpPr>
-        <p:spPr/>
+        <p:spPr>
+          <a:xfrm>
+            <a:off x="1181100" y="658856"/>
+            <a:ext cx="9966960" cy="2926080"/>
+          </a:xfrm>
+        </p:spPr>
         <p:txBody>
           <a:bodyPr>
             <a:normAutofit/>
@@ -3403,10 +3467,13 @@
           <a:lstStyle/>
           <a:p>
             <a:r>
-              <a:rPr lang="en-US" b="0" dirty="0"/>
+              <a:rPr lang="en-US" dirty="0">
+                <a:solidFill>
+                  <a:schemeClr val="tx1"/>
+                </a:solidFill>
+              </a:rPr>
               <a:t>Intelligent Core of Battery Energy Storage Systems</a:t>
             </a:r>
-            <a:endParaRPr lang="en-US" dirty="0"/>
           </a:p>
         </p:txBody>
       </p:sp>
@@ -3426,18 +3493,31 @@
             <p:ph type="subTitle" idx="1"/>
           </p:nvPr>
         </p:nvSpPr>
-        <p:spPr/>
+        <p:spPr>
+          <a:xfrm>
+            <a:off x="7480410" y="6430282"/>
+            <a:ext cx="4711590" cy="427718"/>
+          </a:xfrm>
+        </p:spPr>
         <p:txBody>
           <a:bodyPr/>
           <a:lstStyle/>
           <a:p>
             <a:r>
-              <a:rPr lang="en-US" dirty="0"/>
+              <a:rPr lang="en-US" b="1" dirty="0">
+                <a:solidFill>
+                  <a:schemeClr val="tx1"/>
+                </a:solidFill>
+              </a:rPr>
               <a:t>By Sebastian Russo and Javier Peres</a:t>
             </a:r>
           </a:p>
           <a:p>
-            <a:endParaRPr lang="en-US" dirty="0"/>
+            <a:endParaRPr lang="en-US" dirty="0">
+              <a:solidFill>
+                <a:schemeClr val="tx1"/>
+              </a:solidFill>
+            </a:endParaRPr>
           </a:p>
         </p:txBody>
       </p:sp>
@@ -3456,7 +3536,7 @@
           <p:nvPr/>
         </p:nvPicPr>
         <p:blipFill>
-          <a:blip r:embed="rId2">
+          <a:blip r:embed="rId3">
             <a:extLst>
               <a:ext uri="{28A0092B-C50C-407E-A947-70E740481C1C}">
                 <a14:useLocalDpi xmlns:a14="http://schemas.microsoft.com/office/drawing/2010/main" val="0"/>
@@ -3518,10 +3598,1716 @@
           <a:chExt cx="0" cy="0"/>
         </a:xfrm>
       </p:grpSpPr>
+      <p:sp>
+        <p:nvSpPr>
+          <p:cNvPr id="4" name="Rectangle 3">
+            <a:extLst>
+              <a:ext uri="{FF2B5EF4-FFF2-40B4-BE49-F238E27FC236}">
+                <a16:creationId xmlns:a16="http://schemas.microsoft.com/office/drawing/2014/main" id="{0B32FEAF-92B8-59A8-9452-9E62FF6505C4}"/>
+              </a:ext>
+            </a:extLst>
+          </p:cNvPr>
+          <p:cNvSpPr/>
+          <p:nvPr/>
+        </p:nvSpPr>
+        <p:spPr>
+          <a:xfrm>
+            <a:off x="0" y="0"/>
+            <a:ext cx="12192000" cy="6858000"/>
+          </a:xfrm>
+          <a:prstGeom prst="rect">
+            <a:avLst/>
+          </a:prstGeom>
+          <a:gradFill flip="none" rotWithShape="1">
+            <a:gsLst>
+              <a:gs pos="0">
+                <a:srgbClr val="BFEEC3">
+                  <a:shade val="30000"/>
+                  <a:satMod val="115000"/>
+                </a:srgbClr>
+              </a:gs>
+              <a:gs pos="50000">
+                <a:srgbClr val="BFEEC3">
+                  <a:shade val="67500"/>
+                  <a:satMod val="115000"/>
+                </a:srgbClr>
+              </a:gs>
+              <a:gs pos="100000">
+                <a:srgbClr val="BFEEC3">
+                  <a:shade val="100000"/>
+                  <a:satMod val="115000"/>
+                </a:srgbClr>
+              </a:gs>
+            </a:gsLst>
+            <a:lin ang="13500000" scaled="1"/>
+            <a:tileRect/>
+          </a:gradFill>
+          <a:ln>
+            <a:noFill/>
+          </a:ln>
+          <a:effectLst>
+            <a:innerShdw blurRad="114300">
+              <a:prstClr val="black"/>
+            </a:innerShdw>
+          </a:effectLst>
+          <a:scene3d>
+            <a:camera prst="orthographicFront"/>
+            <a:lightRig rig="threePt" dir="t"/>
+          </a:scene3d>
+          <a:sp3d>
+            <a:bevelT w="139700" h="139700" prst="divot"/>
+          </a:sp3d>
+        </p:spPr>
+        <p:style>
+          <a:lnRef idx="2">
+            <a:schemeClr val="accent1">
+              <a:shade val="15000"/>
+            </a:schemeClr>
+          </a:lnRef>
+          <a:fillRef idx="1">
+            <a:schemeClr val="accent1"/>
+          </a:fillRef>
+          <a:effectRef idx="0">
+            <a:schemeClr val="accent1"/>
+          </a:effectRef>
+          <a:fontRef idx="minor">
+            <a:schemeClr val="lt1"/>
+          </a:fontRef>
+        </p:style>
+        <p:txBody>
+          <a:bodyPr rtlCol="0" anchor="ctr"/>
+          <a:lstStyle/>
+          <a:p>
+            <a:pPr algn="ctr"/>
+            <a:endParaRPr lang="en-US"/>
+          </a:p>
+        </p:txBody>
+      </p:sp>
+      <p:sp>
+        <p:nvSpPr>
+          <p:cNvPr id="3" name="TextBox 2">
+            <a:extLst>
+              <a:ext uri="{FF2B5EF4-FFF2-40B4-BE49-F238E27FC236}">
+                <a16:creationId xmlns:a16="http://schemas.microsoft.com/office/drawing/2014/main" id="{E661688C-86B4-4432-EF9A-B6FF2DBCE906}"/>
+              </a:ext>
+            </a:extLst>
+          </p:cNvPr>
+          <p:cNvSpPr txBox="1"/>
+          <p:nvPr/>
+        </p:nvSpPr>
+        <p:spPr>
+          <a:xfrm>
+            <a:off x="325120" y="960408"/>
+            <a:ext cx="6715760" cy="369332"/>
+          </a:xfrm>
+          <a:prstGeom prst="rect">
+            <a:avLst/>
+          </a:prstGeom>
+          <a:noFill/>
+        </p:spPr>
+        <p:txBody>
+          <a:bodyPr wrap="square">
+            <a:spAutoFit/>
+          </a:bodyPr>
+          <a:lstStyle/>
+          <a:p>
+            <a:pPr>
+              <a:buNone/>
+            </a:pPr>
+            <a:r>
+              <a:rPr lang="en-US" dirty="0"/>
+              <a:t>Build </a:t>
+            </a:r>
+            <a:r>
+              <a:rPr lang="en-US" b="1" dirty="0"/>
+              <a:t>Battery Energy Storage System (BESS) platform</a:t>
+            </a:r>
+            <a:r>
+              <a:rPr lang="en-US" dirty="0"/>
+              <a:t> prototype.</a:t>
+            </a:r>
+          </a:p>
+        </p:txBody>
+      </p:sp>
+      <p:sp>
+        <p:nvSpPr>
+          <p:cNvPr id="6" name="Title 1">
+            <a:extLst>
+              <a:ext uri="{FF2B5EF4-FFF2-40B4-BE49-F238E27FC236}">
+                <a16:creationId xmlns:a16="http://schemas.microsoft.com/office/drawing/2014/main" id="{1C392937-3FFB-96E0-AA6C-85DFE5A69D38}"/>
+              </a:ext>
+            </a:extLst>
+          </p:cNvPr>
+          <p:cNvSpPr txBox="1">
+            <a:spLocks/>
+          </p:cNvSpPr>
+          <p:nvPr/>
+        </p:nvSpPr>
+        <p:spPr>
+          <a:xfrm>
+            <a:off x="325120" y="164472"/>
+            <a:ext cx="4084320" cy="877216"/>
+          </a:xfrm>
+          <a:prstGeom prst="rect">
+            <a:avLst/>
+          </a:prstGeom>
+        </p:spPr>
+        <p:txBody>
+          <a:bodyPr>
+            <a:normAutofit lnSpcReduction="10000"/>
+          </a:bodyPr>
+          <a:lstStyle>
+            <a:lvl1pPr algn="l" defTabSz="914400" rtl="0" eaLnBrk="1" latinLnBrk="0" hangingPunct="1">
+              <a:lnSpc>
+                <a:spcPct val="90000"/>
+              </a:lnSpc>
+              <a:spcBef>
+                <a:spcPct val="0"/>
+              </a:spcBef>
+              <a:buNone/>
+              <a:defRPr sz="4400" kern="1200">
+                <a:solidFill>
+                  <a:schemeClr val="accent1"/>
+                </a:solidFill>
+                <a:latin typeface="+mj-lt"/>
+                <a:ea typeface="+mj-ea"/>
+                <a:cs typeface="+mj-cs"/>
+              </a:defRPr>
+            </a:lvl1pPr>
+          </a:lstStyle>
+          <a:p>
+            <a:r>
+              <a:rPr lang="en-US" sz="6000" b="1" dirty="0">
+                <a:solidFill>
+                  <a:schemeClr val="tx1"/>
+                </a:solidFill>
+              </a:rPr>
+              <a:t>Challenge</a:t>
+            </a:r>
+          </a:p>
+        </p:txBody>
+      </p:sp>
+      <p:pic>
+        <p:nvPicPr>
+          <p:cNvPr id="7" name="Picture 6" descr="c &amp; i bess">
+            <a:extLst>
+              <a:ext uri="{FF2B5EF4-FFF2-40B4-BE49-F238E27FC236}">
+                <a16:creationId xmlns:a16="http://schemas.microsoft.com/office/drawing/2014/main" id="{6BE689F7-3F3F-49C9-5B09-05DBDEA06772}"/>
+              </a:ext>
+            </a:extLst>
+          </p:cNvPr>
+          <p:cNvPicPr>
+            <a:picLocks noChangeAspect="1"/>
+          </p:cNvPicPr>
+          <p:nvPr/>
+        </p:nvPicPr>
+        <p:blipFill>
+          <a:blip r:embed="rId2">
+            <a:extLst>
+              <a:ext uri="{28A0092B-C50C-407E-A947-70E740481C1C}">
+                <a14:useLocalDpi xmlns:a14="http://schemas.microsoft.com/office/drawing/2010/main" val="0"/>
+              </a:ext>
+            </a:extLst>
+          </a:blip>
+          <a:srcRect/>
+          <a:stretch>
+            <a:fillRect/>
+          </a:stretch>
+        </p:blipFill>
+        <p:spPr bwMode="auto">
+          <a:xfrm>
+            <a:off x="325120" y="1329740"/>
+            <a:ext cx="7371395" cy="3862020"/>
+          </a:xfrm>
+          <a:prstGeom prst="rect">
+            <a:avLst/>
+          </a:prstGeom>
+          <a:noFill/>
+          <a:ln>
+            <a:noFill/>
+          </a:ln>
+        </p:spPr>
+      </p:pic>
+      <p:sp>
+        <p:nvSpPr>
+          <p:cNvPr id="8" name="TextBox 7">
+            <a:extLst>
+              <a:ext uri="{FF2B5EF4-FFF2-40B4-BE49-F238E27FC236}">
+                <a16:creationId xmlns:a16="http://schemas.microsoft.com/office/drawing/2014/main" id="{8653A436-09C4-58C5-D9A6-F7B5BC9580DC}"/>
+              </a:ext>
+            </a:extLst>
+          </p:cNvPr>
+          <p:cNvSpPr txBox="1"/>
+          <p:nvPr/>
+        </p:nvSpPr>
+        <p:spPr>
+          <a:xfrm>
+            <a:off x="7696514" y="1329740"/>
+            <a:ext cx="4170366" cy="3970318"/>
+          </a:xfrm>
+          <a:prstGeom prst="rect">
+            <a:avLst/>
+          </a:prstGeom>
+          <a:noFill/>
+        </p:spPr>
+        <p:txBody>
+          <a:bodyPr wrap="square">
+            <a:spAutoFit/>
+          </a:bodyPr>
+          <a:lstStyle/>
+          <a:p>
+            <a:pPr>
+              <a:buNone/>
+            </a:pPr>
+            <a:r>
+              <a:rPr lang="en-US" b="1" dirty="0"/>
+              <a:t>Requirements:</a:t>
+            </a:r>
+            <a:endParaRPr lang="en-US" dirty="0"/>
+          </a:p>
+          <a:p>
+            <a:pPr marL="285750" indent="-285750">
+              <a:buFont typeface="Arial" panose="020B0604020202020204" pitchFamily="34" charset="0"/>
+              <a:buChar char="•"/>
+            </a:pPr>
+            <a:r>
+              <a:rPr lang="en-US" dirty="0"/>
+              <a:t>Accept and process </a:t>
+            </a:r>
+            <a:r>
+              <a:rPr lang="en-US" b="1" dirty="0"/>
+              <a:t>real-time and historical BESS data</a:t>
+            </a:r>
+          </a:p>
+          <a:p>
+            <a:pPr marL="285750" indent="-285750">
+              <a:buFont typeface="Arial" panose="020B0604020202020204" pitchFamily="34" charset="0"/>
+              <a:buChar char="•"/>
+            </a:pPr>
+            <a:endParaRPr lang="en-US" dirty="0"/>
+          </a:p>
+          <a:p>
+            <a:pPr marL="285750" indent="-285750">
+              <a:buFont typeface="Arial" panose="020B0604020202020204" pitchFamily="34" charset="0"/>
+              <a:buChar char="•"/>
+            </a:pPr>
+            <a:r>
+              <a:rPr lang="en-US" dirty="0"/>
+              <a:t>Display </a:t>
+            </a:r>
+            <a:r>
+              <a:rPr lang="en-US" b="1" dirty="0"/>
+              <a:t>actionable insights</a:t>
+            </a:r>
+            <a:r>
+              <a:rPr lang="en-US" dirty="0"/>
+              <a:t> for technical asset managers</a:t>
+            </a:r>
+          </a:p>
+          <a:p>
+            <a:pPr marL="285750" indent="-285750">
+              <a:buFont typeface="Arial" panose="020B0604020202020204" pitchFamily="34" charset="0"/>
+              <a:buChar char="•"/>
+            </a:pPr>
+            <a:endParaRPr lang="en-US" dirty="0"/>
+          </a:p>
+          <a:p>
+            <a:pPr marL="285750" indent="-285750">
+              <a:buFont typeface="Arial" panose="020B0604020202020204" pitchFamily="34" charset="0"/>
+              <a:buChar char="•"/>
+            </a:pPr>
+            <a:r>
+              <a:rPr lang="en-US" dirty="0"/>
+              <a:t>Be </a:t>
+            </a:r>
+            <a:r>
+              <a:rPr lang="en-US" b="1" dirty="0"/>
+              <a:t>extensible</a:t>
+            </a:r>
+            <a:r>
+              <a:rPr lang="en-US" dirty="0"/>
+              <a:t> for third parties (optimizers, grid operators)</a:t>
+            </a:r>
+          </a:p>
+          <a:p>
+            <a:pPr marL="285750" indent="-285750">
+              <a:buFont typeface="Arial" panose="020B0604020202020204" pitchFamily="34" charset="0"/>
+              <a:buChar char="•"/>
+            </a:pPr>
+            <a:endParaRPr lang="en-US" dirty="0"/>
+          </a:p>
+          <a:p>
+            <a:pPr marL="285750" indent="-285750">
+              <a:buFont typeface="Arial" panose="020B0604020202020204" pitchFamily="34" charset="0"/>
+              <a:buChar char="•"/>
+            </a:pPr>
+            <a:r>
+              <a:rPr lang="en-US" dirty="0"/>
+              <a:t>Include </a:t>
+            </a:r>
+            <a:r>
+              <a:rPr lang="en-US" b="1" dirty="0"/>
+              <a:t>at least one innovative feature</a:t>
+            </a:r>
+            <a:r>
+              <a:rPr lang="en-US" dirty="0"/>
+              <a:t> beyond generic dashboards</a:t>
+            </a:r>
+          </a:p>
+          <a:p>
+            <a:pPr marL="285750" indent="-285750">
+              <a:buFont typeface="Arial" panose="020B0604020202020204" pitchFamily="34" charset="0"/>
+              <a:buChar char="•"/>
+            </a:pPr>
+            <a:endParaRPr lang="en-US" dirty="0"/>
+          </a:p>
+          <a:p>
+            <a:pPr marL="285750" indent="-285750">
+              <a:buFont typeface="Arial" panose="020B0604020202020204" pitchFamily="34" charset="0"/>
+              <a:buChar char="•"/>
+            </a:pPr>
+            <a:r>
+              <a:rPr lang="en-US" b="1" dirty="0"/>
+              <a:t>EU compliant </a:t>
+            </a:r>
+            <a:r>
+              <a:rPr lang="en-US" dirty="0"/>
+              <a:t>sensors and controllers</a:t>
+            </a:r>
+          </a:p>
+        </p:txBody>
+      </p:sp>
     </p:spTree>
     <p:extLst>
       <p:ext uri="{BB962C8B-B14F-4D97-AF65-F5344CB8AC3E}">
         <p14:creationId xmlns:p14="http://schemas.microsoft.com/office/powerpoint/2010/main" val="4098624181"/>
+      </p:ext>
+    </p:extLst>
+  </p:cSld>
+  <p:clrMapOvr>
+    <a:masterClrMapping/>
+  </p:clrMapOvr>
+</p:sld>
+</file>
+
+<file path=ppt/slides/slide3.xml><?xml version="1.0" encoding="utf-8"?>
+<p:sld xmlns:a="http://schemas.openxmlformats.org/drawingml/2006/main" xmlns:r="http://schemas.openxmlformats.org/officeDocument/2006/relationships" xmlns:p="http://schemas.openxmlformats.org/presentationml/2006/main">
+  <p:cSld>
+    <p:spTree>
+      <p:nvGrpSpPr>
+        <p:cNvPr id="1" name="">
+          <a:extLst>
+            <a:ext uri="{FF2B5EF4-FFF2-40B4-BE49-F238E27FC236}">
+              <a16:creationId xmlns:a16="http://schemas.microsoft.com/office/drawing/2014/main" id="{4DFB289A-A9A0-F0D0-D0C6-133B51569D7C}"/>
+            </a:ext>
+          </a:extLst>
+        </p:cNvPr>
+        <p:cNvGrpSpPr/>
+        <p:nvPr/>
+      </p:nvGrpSpPr>
+      <p:grpSpPr>
+        <a:xfrm>
+          <a:off x="0" y="0"/>
+          <a:ext cx="0" cy="0"/>
+          <a:chOff x="0" y="0"/>
+          <a:chExt cx="0" cy="0"/>
+        </a:xfrm>
+      </p:grpSpPr>
+      <p:sp>
+        <p:nvSpPr>
+          <p:cNvPr id="4" name="Rectangle 3">
+            <a:extLst>
+              <a:ext uri="{FF2B5EF4-FFF2-40B4-BE49-F238E27FC236}">
+                <a16:creationId xmlns:a16="http://schemas.microsoft.com/office/drawing/2014/main" id="{A00D9699-FDF0-12D4-8C1A-D21C2470AF04}"/>
+              </a:ext>
+            </a:extLst>
+          </p:cNvPr>
+          <p:cNvSpPr/>
+          <p:nvPr/>
+        </p:nvSpPr>
+        <p:spPr>
+          <a:xfrm>
+            <a:off x="0" y="0"/>
+            <a:ext cx="12192000" cy="6858000"/>
+          </a:xfrm>
+          <a:prstGeom prst="rect">
+            <a:avLst/>
+          </a:prstGeom>
+          <a:gradFill flip="none" rotWithShape="1">
+            <a:gsLst>
+              <a:gs pos="0">
+                <a:srgbClr val="BFEEC3">
+                  <a:shade val="30000"/>
+                  <a:satMod val="115000"/>
+                </a:srgbClr>
+              </a:gs>
+              <a:gs pos="50000">
+                <a:srgbClr val="BFEEC3">
+                  <a:shade val="67500"/>
+                  <a:satMod val="115000"/>
+                </a:srgbClr>
+              </a:gs>
+              <a:gs pos="100000">
+                <a:srgbClr val="BFEEC3">
+                  <a:shade val="100000"/>
+                  <a:satMod val="115000"/>
+                </a:srgbClr>
+              </a:gs>
+            </a:gsLst>
+            <a:lin ang="18900000" scaled="1"/>
+            <a:tileRect/>
+          </a:gradFill>
+          <a:ln>
+            <a:noFill/>
+          </a:ln>
+          <a:effectLst>
+            <a:innerShdw blurRad="114300">
+              <a:prstClr val="black"/>
+            </a:innerShdw>
+          </a:effectLst>
+          <a:scene3d>
+            <a:camera prst="orthographicFront"/>
+            <a:lightRig rig="threePt" dir="t"/>
+          </a:scene3d>
+          <a:sp3d>
+            <a:bevelT w="139700" h="139700" prst="divot"/>
+          </a:sp3d>
+        </p:spPr>
+        <p:style>
+          <a:lnRef idx="2">
+            <a:schemeClr val="accent1">
+              <a:shade val="15000"/>
+            </a:schemeClr>
+          </a:lnRef>
+          <a:fillRef idx="1">
+            <a:schemeClr val="accent1"/>
+          </a:fillRef>
+          <a:effectRef idx="0">
+            <a:schemeClr val="accent1"/>
+          </a:effectRef>
+          <a:fontRef idx="minor">
+            <a:schemeClr val="lt1"/>
+          </a:fontRef>
+        </p:style>
+        <p:txBody>
+          <a:bodyPr rtlCol="0" anchor="ctr"/>
+          <a:lstStyle/>
+          <a:p>
+            <a:pPr algn="ctr"/>
+            <a:endParaRPr lang="en-US" dirty="0"/>
+          </a:p>
+        </p:txBody>
+      </p:sp>
+      <p:sp>
+        <p:nvSpPr>
+          <p:cNvPr id="6" name="Title 1">
+            <a:extLst>
+              <a:ext uri="{FF2B5EF4-FFF2-40B4-BE49-F238E27FC236}">
+                <a16:creationId xmlns:a16="http://schemas.microsoft.com/office/drawing/2014/main" id="{2C8926FD-B375-E524-8935-78051646469C}"/>
+              </a:ext>
+            </a:extLst>
+          </p:cNvPr>
+          <p:cNvSpPr txBox="1">
+            <a:spLocks/>
+          </p:cNvSpPr>
+          <p:nvPr/>
+        </p:nvSpPr>
+        <p:spPr>
+          <a:xfrm>
+            <a:off x="325120" y="164472"/>
+            <a:ext cx="7833360" cy="877216"/>
+          </a:xfrm>
+          <a:prstGeom prst="rect">
+            <a:avLst/>
+          </a:prstGeom>
+        </p:spPr>
+        <p:txBody>
+          <a:bodyPr>
+            <a:normAutofit fontScale="92500"/>
+          </a:bodyPr>
+          <a:lstStyle>
+            <a:lvl1pPr algn="l" defTabSz="914400" rtl="0" eaLnBrk="1" latinLnBrk="0" hangingPunct="1">
+              <a:lnSpc>
+                <a:spcPct val="90000"/>
+              </a:lnSpc>
+              <a:spcBef>
+                <a:spcPct val="0"/>
+              </a:spcBef>
+              <a:buNone/>
+              <a:defRPr sz="4400" kern="1200">
+                <a:solidFill>
+                  <a:schemeClr val="accent1"/>
+                </a:solidFill>
+                <a:latin typeface="+mj-lt"/>
+                <a:ea typeface="+mj-ea"/>
+                <a:cs typeface="+mj-cs"/>
+              </a:defRPr>
+            </a:lvl1pPr>
+          </a:lstStyle>
+          <a:p>
+            <a:r>
+              <a:rPr lang="en-US" sz="4800" b="1" dirty="0">
+                <a:solidFill>
+                  <a:schemeClr val="tx1"/>
+                </a:solidFill>
+              </a:rPr>
+              <a:t>EDA (Exploratory data analysis)</a:t>
+            </a:r>
+          </a:p>
+        </p:txBody>
+      </p:sp>
+      <p:pic>
+        <p:nvPicPr>
+          <p:cNvPr id="5" name="Picture 4">
+            <a:extLst>
+              <a:ext uri="{FF2B5EF4-FFF2-40B4-BE49-F238E27FC236}">
+                <a16:creationId xmlns:a16="http://schemas.microsoft.com/office/drawing/2014/main" id="{698CDF75-22B8-44DF-8609-90B92BFE0AED}"/>
+              </a:ext>
+            </a:extLst>
+          </p:cNvPr>
+          <p:cNvPicPr>
+            <a:picLocks noChangeAspect="1"/>
+          </p:cNvPicPr>
+          <p:nvPr/>
+        </p:nvPicPr>
+        <p:blipFill>
+          <a:blip r:embed="rId2"/>
+          <a:stretch>
+            <a:fillRect/>
+          </a:stretch>
+        </p:blipFill>
+        <p:spPr>
+          <a:xfrm>
+            <a:off x="452728" y="959436"/>
+            <a:ext cx="3600953" cy="4267796"/>
+          </a:xfrm>
+          <a:prstGeom prst="rect">
+            <a:avLst/>
+          </a:prstGeom>
+        </p:spPr>
+      </p:pic>
+      <p:sp>
+        <p:nvSpPr>
+          <p:cNvPr id="9" name="TextBox 8">
+            <a:extLst>
+              <a:ext uri="{FF2B5EF4-FFF2-40B4-BE49-F238E27FC236}">
+                <a16:creationId xmlns:a16="http://schemas.microsoft.com/office/drawing/2014/main" id="{DA267B8C-6168-A44B-B6EA-62F3703373BA}"/>
+              </a:ext>
+            </a:extLst>
+          </p:cNvPr>
+          <p:cNvSpPr txBox="1"/>
+          <p:nvPr/>
+        </p:nvSpPr>
+        <p:spPr>
+          <a:xfrm>
+            <a:off x="452728" y="5227232"/>
+            <a:ext cx="2917471" cy="371738"/>
+          </a:xfrm>
+          <a:prstGeom prst="rect">
+            <a:avLst/>
+          </a:prstGeom>
+          <a:noFill/>
+        </p:spPr>
+        <p:txBody>
+          <a:bodyPr wrap="square">
+            <a:spAutoFit/>
+          </a:bodyPr>
+          <a:lstStyle/>
+          <a:p>
+            <a:pPr>
+              <a:buNone/>
+            </a:pPr>
+            <a:r>
+              <a:rPr lang="en-US" b="1" dirty="0"/>
+              <a:t>Challenging to analyze</a:t>
+            </a:r>
+            <a:endParaRPr lang="en-US" dirty="0"/>
+          </a:p>
+        </p:txBody>
+      </p:sp>
+      <p:sp>
+        <p:nvSpPr>
+          <p:cNvPr id="10" name="TextBox 9">
+            <a:extLst>
+              <a:ext uri="{FF2B5EF4-FFF2-40B4-BE49-F238E27FC236}">
+                <a16:creationId xmlns:a16="http://schemas.microsoft.com/office/drawing/2014/main" id="{4A8C95D2-3DAC-B4EB-B71A-4059360FBE05}"/>
+              </a:ext>
+            </a:extLst>
+          </p:cNvPr>
+          <p:cNvSpPr txBox="1"/>
+          <p:nvPr/>
+        </p:nvSpPr>
+        <p:spPr>
+          <a:xfrm>
+            <a:off x="4053680" y="959436"/>
+            <a:ext cx="5576457" cy="5078313"/>
+          </a:xfrm>
+          <a:prstGeom prst="rect">
+            <a:avLst/>
+          </a:prstGeom>
+          <a:noFill/>
+        </p:spPr>
+        <p:txBody>
+          <a:bodyPr wrap="square">
+            <a:spAutoFit/>
+          </a:bodyPr>
+          <a:lstStyle/>
+          <a:p>
+            <a:pPr>
+              <a:buNone/>
+            </a:pPr>
+            <a:r>
+              <a:rPr lang="en-US" b="1" dirty="0"/>
+              <a:t>Details:</a:t>
+            </a:r>
+            <a:endParaRPr lang="en-US" dirty="0"/>
+          </a:p>
+          <a:p>
+            <a:pPr marL="285750" indent="-285750">
+              <a:buFont typeface="Arial" panose="020B0604020202020204" pitchFamily="34" charset="0"/>
+              <a:buChar char="•"/>
+            </a:pPr>
+            <a:r>
+              <a:rPr lang="en-US" dirty="0"/>
+              <a:t>41 .csv files for each ZHPESS232A23000* directory (Batteries)</a:t>
+            </a:r>
+          </a:p>
+          <a:p>
+            <a:pPr marL="285750" indent="-285750">
+              <a:buFont typeface="Arial" panose="020B0604020202020204" pitchFamily="34" charset="0"/>
+              <a:buChar char="•"/>
+            </a:pPr>
+            <a:endParaRPr lang="en-US" b="1" dirty="0"/>
+          </a:p>
+          <a:p>
+            <a:pPr marL="285750" indent="-285750">
+              <a:buFont typeface="Arial" panose="020B0604020202020204" pitchFamily="34" charset="0"/>
+              <a:buChar char="•"/>
+            </a:pPr>
+            <a:r>
+              <a:rPr lang="en-US" dirty="0"/>
+              <a:t>5 .csv files for each m* directory (smart meters)</a:t>
+            </a:r>
+          </a:p>
+          <a:p>
+            <a:pPr marL="285750" indent="-285750">
+              <a:buFont typeface="Arial" panose="020B0604020202020204" pitchFamily="34" charset="0"/>
+              <a:buChar char="•"/>
+            </a:pPr>
+            <a:endParaRPr lang="en-US" dirty="0"/>
+          </a:p>
+          <a:p>
+            <a:pPr marL="285750" indent="-285750">
+              <a:buFont typeface="Arial" panose="020B0604020202020204" pitchFamily="34" charset="0"/>
+              <a:buChar char="•"/>
+            </a:pPr>
+            <a:r>
+              <a:rPr lang="en-US" dirty="0"/>
+              <a:t>Each csv file contains only a timestamp and a single metric, corresponding 1 for each sensor</a:t>
+            </a:r>
+          </a:p>
+          <a:p>
+            <a:pPr marL="285750" indent="-285750">
+              <a:buFont typeface="Arial" panose="020B0604020202020204" pitchFamily="34" charset="0"/>
+              <a:buChar char="•"/>
+            </a:pPr>
+            <a:endParaRPr lang="en-US" dirty="0"/>
+          </a:p>
+          <a:p>
+            <a:pPr marL="285750" indent="-285750">
+              <a:buFont typeface="Arial" panose="020B0604020202020204" pitchFamily="34" charset="0"/>
+              <a:buChar char="•"/>
+            </a:pPr>
+            <a:r>
+              <a:rPr lang="en-US" dirty="0"/>
+              <a:t>6GB in total for data between 2023 and 2025</a:t>
+            </a:r>
+          </a:p>
+          <a:p>
+            <a:pPr marL="285750" indent="-285750">
+              <a:buFont typeface="Arial" panose="020B0604020202020204" pitchFamily="34" charset="0"/>
+              <a:buChar char="•"/>
+            </a:pPr>
+            <a:endParaRPr lang="en-US" dirty="0"/>
+          </a:p>
+          <a:p>
+            <a:pPr marL="285750" indent="-285750">
+              <a:buFont typeface="Arial" panose="020B0604020202020204" pitchFamily="34" charset="0"/>
+              <a:buChar char="•"/>
+            </a:pPr>
+            <a:r>
+              <a:rPr lang="en-US" dirty="0"/>
+              <a:t>Many sensors provide data at different frequencies</a:t>
+            </a:r>
+          </a:p>
+          <a:p>
+            <a:pPr marL="285750" indent="-285750">
+              <a:buFont typeface="Arial" panose="020B0604020202020204" pitchFamily="34" charset="0"/>
+              <a:buChar char="•"/>
+            </a:pPr>
+            <a:endParaRPr lang="en-US" dirty="0"/>
+          </a:p>
+          <a:p>
+            <a:pPr marL="285750" indent="-285750">
+              <a:buFont typeface="Arial" panose="020B0604020202020204" pitchFamily="34" charset="0"/>
+              <a:buChar char="•"/>
+            </a:pPr>
+            <a:r>
+              <a:rPr lang="en-US" dirty="0"/>
+              <a:t>Standards and conventions not specified</a:t>
+            </a:r>
+          </a:p>
+          <a:p>
+            <a:pPr marL="285750" indent="-285750">
+              <a:buFont typeface="Arial" panose="020B0604020202020204" pitchFamily="34" charset="0"/>
+              <a:buChar char="•"/>
+            </a:pPr>
+            <a:endParaRPr lang="en-US" dirty="0"/>
+          </a:p>
+          <a:p>
+            <a:pPr marL="285750" indent="-285750">
+              <a:buFont typeface="Arial" panose="020B0604020202020204" pitchFamily="34" charset="0"/>
+              <a:buChar char="•"/>
+            </a:pPr>
+            <a:r>
+              <a:rPr lang="en-US" dirty="0"/>
+              <a:t>Units specified and relevant values specified in README for BMS, PCS, Aux-Thermal, Env-Safety and Smart meters</a:t>
+            </a:r>
+          </a:p>
+        </p:txBody>
+      </p:sp>
+    </p:spTree>
+    <p:extLst>
+      <p:ext uri="{BB962C8B-B14F-4D97-AF65-F5344CB8AC3E}">
+        <p14:creationId xmlns:p14="http://schemas.microsoft.com/office/powerpoint/2010/main" val="4150653877"/>
+      </p:ext>
+    </p:extLst>
+  </p:cSld>
+  <p:clrMapOvr>
+    <a:masterClrMapping/>
+  </p:clrMapOvr>
+</p:sld>
+</file>
+
+<file path=ppt/slides/slide4.xml><?xml version="1.0" encoding="utf-8"?>
+<p:sld xmlns:a="http://schemas.openxmlformats.org/drawingml/2006/main" xmlns:r="http://schemas.openxmlformats.org/officeDocument/2006/relationships" xmlns:p="http://schemas.openxmlformats.org/presentationml/2006/main">
+  <p:cSld>
+    <p:spTree>
+      <p:nvGrpSpPr>
+        <p:cNvPr id="1" name="">
+          <a:extLst>
+            <a:ext uri="{FF2B5EF4-FFF2-40B4-BE49-F238E27FC236}">
+              <a16:creationId xmlns:a16="http://schemas.microsoft.com/office/drawing/2014/main" id="{9A466542-0342-1243-02CB-58B612E6A841}"/>
+            </a:ext>
+          </a:extLst>
+        </p:cNvPr>
+        <p:cNvGrpSpPr/>
+        <p:nvPr/>
+      </p:nvGrpSpPr>
+      <p:grpSpPr>
+        <a:xfrm>
+          <a:off x="0" y="0"/>
+          <a:ext cx="0" cy="0"/>
+          <a:chOff x="0" y="0"/>
+          <a:chExt cx="0" cy="0"/>
+        </a:xfrm>
+      </p:grpSpPr>
+      <p:sp>
+        <p:nvSpPr>
+          <p:cNvPr id="4" name="Rectangle 3">
+            <a:extLst>
+              <a:ext uri="{FF2B5EF4-FFF2-40B4-BE49-F238E27FC236}">
+                <a16:creationId xmlns:a16="http://schemas.microsoft.com/office/drawing/2014/main" id="{6A355824-947D-3551-B5C2-180F8D299FFF}"/>
+              </a:ext>
+            </a:extLst>
+          </p:cNvPr>
+          <p:cNvSpPr/>
+          <p:nvPr/>
+        </p:nvSpPr>
+        <p:spPr>
+          <a:xfrm>
+            <a:off x="0" y="0"/>
+            <a:ext cx="12192000" cy="6858000"/>
+          </a:xfrm>
+          <a:prstGeom prst="rect">
+            <a:avLst/>
+          </a:prstGeom>
+          <a:gradFill flip="none" rotWithShape="1">
+            <a:gsLst>
+              <a:gs pos="0">
+                <a:srgbClr val="BFEEC3">
+                  <a:shade val="30000"/>
+                  <a:satMod val="115000"/>
+                </a:srgbClr>
+              </a:gs>
+              <a:gs pos="50000">
+                <a:srgbClr val="BFEEC3">
+                  <a:shade val="67500"/>
+                  <a:satMod val="115000"/>
+                </a:srgbClr>
+              </a:gs>
+              <a:gs pos="100000">
+                <a:srgbClr val="BFEEC3">
+                  <a:shade val="100000"/>
+                  <a:satMod val="115000"/>
+                </a:srgbClr>
+              </a:gs>
+            </a:gsLst>
+            <a:lin ang="0" scaled="1"/>
+            <a:tileRect/>
+          </a:gradFill>
+          <a:ln>
+            <a:noFill/>
+          </a:ln>
+          <a:effectLst>
+            <a:innerShdw blurRad="114300">
+              <a:prstClr val="black"/>
+            </a:innerShdw>
+          </a:effectLst>
+          <a:scene3d>
+            <a:camera prst="orthographicFront"/>
+            <a:lightRig rig="threePt" dir="t"/>
+          </a:scene3d>
+          <a:sp3d>
+            <a:bevelT w="139700" h="139700" prst="divot"/>
+          </a:sp3d>
+        </p:spPr>
+        <p:style>
+          <a:lnRef idx="2">
+            <a:schemeClr val="accent1">
+              <a:shade val="15000"/>
+            </a:schemeClr>
+          </a:lnRef>
+          <a:fillRef idx="1">
+            <a:schemeClr val="accent1"/>
+          </a:fillRef>
+          <a:effectRef idx="0">
+            <a:schemeClr val="accent1"/>
+          </a:effectRef>
+          <a:fontRef idx="minor">
+            <a:schemeClr val="lt1"/>
+          </a:fontRef>
+        </p:style>
+        <p:txBody>
+          <a:bodyPr rtlCol="0" anchor="ctr"/>
+          <a:lstStyle/>
+          <a:p>
+            <a:pPr algn="ctr"/>
+            <a:endParaRPr lang="en-US" dirty="0"/>
+          </a:p>
+        </p:txBody>
+      </p:sp>
+      <p:sp>
+        <p:nvSpPr>
+          <p:cNvPr id="6" name="Title 1">
+            <a:extLst>
+              <a:ext uri="{FF2B5EF4-FFF2-40B4-BE49-F238E27FC236}">
+                <a16:creationId xmlns:a16="http://schemas.microsoft.com/office/drawing/2014/main" id="{BC23BFE4-910F-A4B7-38C9-40958A95457E}"/>
+              </a:ext>
+            </a:extLst>
+          </p:cNvPr>
+          <p:cNvSpPr txBox="1">
+            <a:spLocks/>
+          </p:cNvSpPr>
+          <p:nvPr/>
+        </p:nvSpPr>
+        <p:spPr>
+          <a:xfrm>
+            <a:off x="325120" y="164472"/>
+            <a:ext cx="7833360" cy="877216"/>
+          </a:xfrm>
+          <a:prstGeom prst="rect">
+            <a:avLst/>
+          </a:prstGeom>
+        </p:spPr>
+        <p:txBody>
+          <a:bodyPr>
+            <a:normAutofit/>
+          </a:bodyPr>
+          <a:lstStyle>
+            <a:lvl1pPr algn="l" defTabSz="914400" rtl="0" eaLnBrk="1" latinLnBrk="0" hangingPunct="1">
+              <a:lnSpc>
+                <a:spcPct val="90000"/>
+              </a:lnSpc>
+              <a:spcBef>
+                <a:spcPct val="0"/>
+              </a:spcBef>
+              <a:buNone/>
+              <a:defRPr sz="4400" kern="1200">
+                <a:solidFill>
+                  <a:schemeClr val="accent1"/>
+                </a:solidFill>
+                <a:latin typeface="+mj-lt"/>
+                <a:ea typeface="+mj-ea"/>
+                <a:cs typeface="+mj-cs"/>
+              </a:defRPr>
+            </a:lvl1pPr>
+          </a:lstStyle>
+          <a:p>
+            <a:r>
+              <a:rPr lang="en-US" sz="4800" b="1" dirty="0">
+                <a:solidFill>
+                  <a:schemeClr val="tx1"/>
+                </a:solidFill>
+              </a:rPr>
+              <a:t>EDA (Examples)</a:t>
+            </a:r>
+          </a:p>
+        </p:txBody>
+      </p:sp>
+      <p:pic>
+        <p:nvPicPr>
+          <p:cNvPr id="3" name="Picture 2">
+            <a:extLst>
+              <a:ext uri="{FF2B5EF4-FFF2-40B4-BE49-F238E27FC236}">
+                <a16:creationId xmlns:a16="http://schemas.microsoft.com/office/drawing/2014/main" id="{4D17E842-6A7E-A7B4-2E80-8B6BCD00F582}"/>
+              </a:ext>
+            </a:extLst>
+          </p:cNvPr>
+          <p:cNvPicPr>
+            <a:picLocks noChangeAspect="1"/>
+          </p:cNvPicPr>
+          <p:nvPr/>
+        </p:nvPicPr>
+        <p:blipFill>
+          <a:blip r:embed="rId2"/>
+          <a:stretch>
+            <a:fillRect/>
+          </a:stretch>
+        </p:blipFill>
+        <p:spPr>
+          <a:xfrm>
+            <a:off x="290395" y="1099819"/>
+            <a:ext cx="5682141" cy="3010927"/>
+          </a:xfrm>
+          <a:prstGeom prst="rect">
+            <a:avLst/>
+          </a:prstGeom>
+        </p:spPr>
+      </p:pic>
+      <p:pic>
+        <p:nvPicPr>
+          <p:cNvPr id="8" name="Picture 7">
+            <a:extLst>
+              <a:ext uri="{FF2B5EF4-FFF2-40B4-BE49-F238E27FC236}">
+                <a16:creationId xmlns:a16="http://schemas.microsoft.com/office/drawing/2014/main" id="{91654471-7987-04D4-0BF4-156776FF4EDA}"/>
+              </a:ext>
+            </a:extLst>
+          </p:cNvPr>
+          <p:cNvPicPr>
+            <a:picLocks noChangeAspect="1"/>
+          </p:cNvPicPr>
+          <p:nvPr/>
+        </p:nvPicPr>
+        <p:blipFill>
+          <a:blip r:embed="rId3"/>
+          <a:stretch>
+            <a:fillRect/>
+          </a:stretch>
+        </p:blipFill>
+        <p:spPr>
+          <a:xfrm>
+            <a:off x="6084425" y="3151205"/>
+            <a:ext cx="5890474" cy="3128039"/>
+          </a:xfrm>
+          <a:prstGeom prst="rect">
+            <a:avLst/>
+          </a:prstGeom>
+        </p:spPr>
+      </p:pic>
+    </p:spTree>
+    <p:extLst>
+      <p:ext uri="{BB962C8B-B14F-4D97-AF65-F5344CB8AC3E}">
+        <p14:creationId xmlns:p14="http://schemas.microsoft.com/office/powerpoint/2010/main" val="297317930"/>
+      </p:ext>
+    </p:extLst>
+  </p:cSld>
+  <p:clrMapOvr>
+    <a:masterClrMapping/>
+  </p:clrMapOvr>
+</p:sld>
+</file>
+
+<file path=ppt/slides/slide5.xml><?xml version="1.0" encoding="utf-8"?>
+<p:sld xmlns:a="http://schemas.openxmlformats.org/drawingml/2006/main" xmlns:r="http://schemas.openxmlformats.org/officeDocument/2006/relationships" xmlns:p="http://schemas.openxmlformats.org/presentationml/2006/main">
+  <p:cSld>
+    <p:spTree>
+      <p:nvGrpSpPr>
+        <p:cNvPr id="1" name="">
+          <a:extLst>
+            <a:ext uri="{FF2B5EF4-FFF2-40B4-BE49-F238E27FC236}">
+              <a16:creationId xmlns:a16="http://schemas.microsoft.com/office/drawing/2014/main" id="{8D434EE4-93E3-5C88-C8D4-C5159413A074}"/>
+            </a:ext>
+          </a:extLst>
+        </p:cNvPr>
+        <p:cNvGrpSpPr/>
+        <p:nvPr/>
+      </p:nvGrpSpPr>
+      <p:grpSpPr>
+        <a:xfrm>
+          <a:off x="0" y="0"/>
+          <a:ext cx="0" cy="0"/>
+          <a:chOff x="0" y="0"/>
+          <a:chExt cx="0" cy="0"/>
+        </a:xfrm>
+      </p:grpSpPr>
+      <p:sp>
+        <p:nvSpPr>
+          <p:cNvPr id="4" name="Rectangle 3">
+            <a:extLst>
+              <a:ext uri="{FF2B5EF4-FFF2-40B4-BE49-F238E27FC236}">
+                <a16:creationId xmlns:a16="http://schemas.microsoft.com/office/drawing/2014/main" id="{2DB74D21-D9CE-64B1-573D-C337B70581FD}"/>
+              </a:ext>
+            </a:extLst>
+          </p:cNvPr>
+          <p:cNvSpPr/>
+          <p:nvPr/>
+        </p:nvSpPr>
+        <p:spPr>
+          <a:xfrm>
+            <a:off x="0" y="0"/>
+            <a:ext cx="12192000" cy="6858000"/>
+          </a:xfrm>
+          <a:prstGeom prst="rect">
+            <a:avLst/>
+          </a:prstGeom>
+          <a:gradFill flip="none" rotWithShape="1">
+            <a:gsLst>
+              <a:gs pos="0">
+                <a:srgbClr val="BFEEC3">
+                  <a:shade val="30000"/>
+                  <a:satMod val="115000"/>
+                </a:srgbClr>
+              </a:gs>
+              <a:gs pos="50000">
+                <a:srgbClr val="BFEEC3">
+                  <a:shade val="67500"/>
+                  <a:satMod val="115000"/>
+                </a:srgbClr>
+              </a:gs>
+              <a:gs pos="100000">
+                <a:srgbClr val="BFEEC3">
+                  <a:shade val="100000"/>
+                  <a:satMod val="115000"/>
+                </a:srgbClr>
+              </a:gs>
+            </a:gsLst>
+            <a:lin ang="5400000" scaled="1"/>
+            <a:tileRect/>
+          </a:gradFill>
+          <a:ln>
+            <a:noFill/>
+          </a:ln>
+          <a:effectLst>
+            <a:innerShdw blurRad="114300">
+              <a:prstClr val="black"/>
+            </a:innerShdw>
+          </a:effectLst>
+          <a:scene3d>
+            <a:camera prst="orthographicFront"/>
+            <a:lightRig rig="threePt" dir="t"/>
+          </a:scene3d>
+          <a:sp3d>
+            <a:bevelT w="139700" h="139700" prst="divot"/>
+          </a:sp3d>
+        </p:spPr>
+        <p:style>
+          <a:lnRef idx="2">
+            <a:schemeClr val="accent1">
+              <a:shade val="15000"/>
+            </a:schemeClr>
+          </a:lnRef>
+          <a:fillRef idx="1">
+            <a:schemeClr val="accent1"/>
+          </a:fillRef>
+          <a:effectRef idx="0">
+            <a:schemeClr val="accent1"/>
+          </a:effectRef>
+          <a:fontRef idx="minor">
+            <a:schemeClr val="lt1"/>
+          </a:fontRef>
+        </p:style>
+        <p:txBody>
+          <a:bodyPr rtlCol="0" anchor="ctr"/>
+          <a:lstStyle/>
+          <a:p>
+            <a:pPr algn="ctr"/>
+            <a:endParaRPr lang="en-US" dirty="0"/>
+          </a:p>
+        </p:txBody>
+      </p:sp>
+      <p:sp>
+        <p:nvSpPr>
+          <p:cNvPr id="6" name="Title 1">
+            <a:extLst>
+              <a:ext uri="{FF2B5EF4-FFF2-40B4-BE49-F238E27FC236}">
+                <a16:creationId xmlns:a16="http://schemas.microsoft.com/office/drawing/2014/main" id="{CC558520-7C23-1E86-FF25-FD81ADE173D8}"/>
+              </a:ext>
+            </a:extLst>
+          </p:cNvPr>
+          <p:cNvSpPr txBox="1">
+            <a:spLocks/>
+          </p:cNvSpPr>
+          <p:nvPr/>
+        </p:nvSpPr>
+        <p:spPr>
+          <a:xfrm>
+            <a:off x="325120" y="164472"/>
+            <a:ext cx="7203440" cy="877216"/>
+          </a:xfrm>
+          <a:prstGeom prst="rect">
+            <a:avLst/>
+          </a:prstGeom>
+        </p:spPr>
+        <p:txBody>
+          <a:bodyPr>
+            <a:normAutofit fontScale="92500"/>
+          </a:bodyPr>
+          <a:lstStyle>
+            <a:lvl1pPr algn="l" defTabSz="914400" rtl="0" eaLnBrk="1" latinLnBrk="0" hangingPunct="1">
+              <a:lnSpc>
+                <a:spcPct val="90000"/>
+              </a:lnSpc>
+              <a:spcBef>
+                <a:spcPct val="0"/>
+              </a:spcBef>
+              <a:buNone/>
+              <a:defRPr sz="4400" kern="1200">
+                <a:solidFill>
+                  <a:schemeClr val="accent1"/>
+                </a:solidFill>
+                <a:latin typeface="+mj-lt"/>
+                <a:ea typeface="+mj-ea"/>
+                <a:cs typeface="+mj-cs"/>
+              </a:defRPr>
+            </a:lvl1pPr>
+          </a:lstStyle>
+          <a:p>
+            <a:r>
+              <a:rPr lang="en-US" sz="4000" b="1" dirty="0">
+                <a:solidFill>
+                  <a:schemeClr val="tx1"/>
+                </a:solidFill>
+              </a:rPr>
+              <a:t>Theoretical architectural workflow</a:t>
+            </a:r>
+          </a:p>
+        </p:txBody>
+      </p:sp>
+      <p:pic>
+        <p:nvPicPr>
+          <p:cNvPr id="3" name="Picture 2" descr="A screenshot of a computer screen&#10;&#10;AI-generated content may be incorrect.">
+            <a:extLst>
+              <a:ext uri="{FF2B5EF4-FFF2-40B4-BE49-F238E27FC236}">
+                <a16:creationId xmlns:a16="http://schemas.microsoft.com/office/drawing/2014/main" id="{EBC0B215-692C-13C0-56DB-BC9FDFB88797}"/>
+              </a:ext>
+            </a:extLst>
+          </p:cNvPr>
+          <p:cNvPicPr>
+            <a:picLocks noChangeAspect="1"/>
+          </p:cNvPicPr>
+          <p:nvPr/>
+        </p:nvPicPr>
+        <p:blipFill>
+          <a:blip r:embed="rId2">
+            <a:extLst>
+              <a:ext uri="{28A0092B-C50C-407E-A947-70E740481C1C}">
+                <a14:useLocalDpi xmlns:a14="http://schemas.microsoft.com/office/drawing/2010/main" val="0"/>
+              </a:ext>
+            </a:extLst>
+          </a:blip>
+          <a:stretch>
+            <a:fillRect/>
+          </a:stretch>
+        </p:blipFill>
+        <p:spPr>
+          <a:xfrm>
+            <a:off x="325120" y="659756"/>
+            <a:ext cx="8506364" cy="6198244"/>
+          </a:xfrm>
+          <a:prstGeom prst="rect">
+            <a:avLst/>
+          </a:prstGeom>
+        </p:spPr>
+      </p:pic>
+      <p:sp>
+        <p:nvSpPr>
+          <p:cNvPr id="5" name="TextBox 4">
+            <a:extLst>
+              <a:ext uri="{FF2B5EF4-FFF2-40B4-BE49-F238E27FC236}">
+                <a16:creationId xmlns:a16="http://schemas.microsoft.com/office/drawing/2014/main" id="{250C2D72-6DE7-E5EC-355E-C19C8E559256}"/>
+              </a:ext>
+            </a:extLst>
+          </p:cNvPr>
+          <p:cNvSpPr txBox="1"/>
+          <p:nvPr/>
+        </p:nvSpPr>
+        <p:spPr>
+          <a:xfrm>
+            <a:off x="8831484" y="3429000"/>
+            <a:ext cx="4170366" cy="369332"/>
+          </a:xfrm>
+          <a:prstGeom prst="rect">
+            <a:avLst/>
+          </a:prstGeom>
+          <a:noFill/>
+        </p:spPr>
+        <p:txBody>
+          <a:bodyPr wrap="square">
+            <a:spAutoFit/>
+          </a:bodyPr>
+          <a:lstStyle/>
+          <a:p>
+            <a:pPr>
+              <a:buNone/>
+            </a:pPr>
+            <a:r>
+              <a:rPr lang="en-US" b="1" dirty="0"/>
+              <a:t>Kinda big right?</a:t>
+            </a:r>
+            <a:endParaRPr lang="en-US" dirty="0"/>
+          </a:p>
+        </p:txBody>
+      </p:sp>
+    </p:spTree>
+    <p:extLst>
+      <p:ext uri="{BB962C8B-B14F-4D97-AF65-F5344CB8AC3E}">
+        <p14:creationId xmlns:p14="http://schemas.microsoft.com/office/powerpoint/2010/main" val="3965385432"/>
+      </p:ext>
+    </p:extLst>
+  </p:cSld>
+  <p:clrMapOvr>
+    <a:masterClrMapping/>
+  </p:clrMapOvr>
+</p:sld>
+</file>
+
+<file path=ppt/slides/slide6.xml><?xml version="1.0" encoding="utf-8"?>
+<p:sld xmlns:a="http://schemas.openxmlformats.org/drawingml/2006/main" xmlns:r="http://schemas.openxmlformats.org/officeDocument/2006/relationships" xmlns:p="http://schemas.openxmlformats.org/presentationml/2006/main">
+  <p:cSld>
+    <p:spTree>
+      <p:nvGrpSpPr>
+        <p:cNvPr id="1" name="">
+          <a:extLst>
+            <a:ext uri="{FF2B5EF4-FFF2-40B4-BE49-F238E27FC236}">
+              <a16:creationId xmlns:a16="http://schemas.microsoft.com/office/drawing/2014/main" id="{3AE4443E-ED24-92CA-400B-C712638B866E}"/>
+            </a:ext>
+          </a:extLst>
+        </p:cNvPr>
+        <p:cNvGrpSpPr/>
+        <p:nvPr/>
+      </p:nvGrpSpPr>
+      <p:grpSpPr>
+        <a:xfrm>
+          <a:off x="0" y="0"/>
+          <a:ext cx="0" cy="0"/>
+          <a:chOff x="0" y="0"/>
+          <a:chExt cx="0" cy="0"/>
+        </a:xfrm>
+      </p:grpSpPr>
+      <p:sp>
+        <p:nvSpPr>
+          <p:cNvPr id="4" name="Rectangle 3">
+            <a:extLst>
+              <a:ext uri="{FF2B5EF4-FFF2-40B4-BE49-F238E27FC236}">
+                <a16:creationId xmlns:a16="http://schemas.microsoft.com/office/drawing/2014/main" id="{F9FB7F98-4A24-2B37-86E5-0E1A7ED67631}"/>
+              </a:ext>
+            </a:extLst>
+          </p:cNvPr>
+          <p:cNvSpPr/>
+          <p:nvPr/>
+        </p:nvSpPr>
+        <p:spPr>
+          <a:xfrm>
+            <a:off x="0" y="0"/>
+            <a:ext cx="12192000" cy="6858000"/>
+          </a:xfrm>
+          <a:prstGeom prst="rect">
+            <a:avLst/>
+          </a:prstGeom>
+          <a:gradFill flip="none" rotWithShape="1">
+            <a:gsLst>
+              <a:gs pos="0">
+                <a:srgbClr val="BFEEC3">
+                  <a:shade val="30000"/>
+                  <a:satMod val="115000"/>
+                </a:srgbClr>
+              </a:gs>
+              <a:gs pos="50000">
+                <a:srgbClr val="BFEEC3">
+                  <a:shade val="67500"/>
+                  <a:satMod val="115000"/>
+                </a:srgbClr>
+              </a:gs>
+              <a:gs pos="100000">
+                <a:srgbClr val="BFEEC3">
+                  <a:shade val="100000"/>
+                  <a:satMod val="115000"/>
+                </a:srgbClr>
+              </a:gs>
+            </a:gsLst>
+            <a:path path="circle">
+              <a:fillToRect l="50000" t="50000" r="50000" b="50000"/>
+            </a:path>
+            <a:tileRect/>
+          </a:gradFill>
+          <a:ln>
+            <a:noFill/>
+          </a:ln>
+          <a:effectLst>
+            <a:innerShdw blurRad="114300">
+              <a:prstClr val="black"/>
+            </a:innerShdw>
+          </a:effectLst>
+          <a:scene3d>
+            <a:camera prst="orthographicFront"/>
+            <a:lightRig rig="threePt" dir="t"/>
+          </a:scene3d>
+          <a:sp3d>
+            <a:bevelT w="139700" h="139700" prst="divot"/>
+          </a:sp3d>
+        </p:spPr>
+        <p:style>
+          <a:lnRef idx="2">
+            <a:schemeClr val="accent1">
+              <a:shade val="15000"/>
+            </a:schemeClr>
+          </a:lnRef>
+          <a:fillRef idx="1">
+            <a:schemeClr val="accent1"/>
+          </a:fillRef>
+          <a:effectRef idx="0">
+            <a:schemeClr val="accent1"/>
+          </a:effectRef>
+          <a:fontRef idx="minor">
+            <a:schemeClr val="lt1"/>
+          </a:fontRef>
+        </p:style>
+        <p:txBody>
+          <a:bodyPr rtlCol="0" anchor="ctr"/>
+          <a:lstStyle/>
+          <a:p>
+            <a:pPr algn="ctr"/>
+            <a:endParaRPr lang="en-US" dirty="0"/>
+          </a:p>
+        </p:txBody>
+      </p:sp>
+      <p:sp>
+        <p:nvSpPr>
+          <p:cNvPr id="6" name="Title 1">
+            <a:extLst>
+              <a:ext uri="{FF2B5EF4-FFF2-40B4-BE49-F238E27FC236}">
+                <a16:creationId xmlns:a16="http://schemas.microsoft.com/office/drawing/2014/main" id="{EE979ABC-8D91-3DE4-5CC3-1115655BFAC1}"/>
+              </a:ext>
+            </a:extLst>
+          </p:cNvPr>
+          <p:cNvSpPr txBox="1">
+            <a:spLocks/>
+          </p:cNvSpPr>
+          <p:nvPr/>
+        </p:nvSpPr>
+        <p:spPr>
+          <a:xfrm>
+            <a:off x="325120" y="164472"/>
+            <a:ext cx="7203440" cy="877216"/>
+          </a:xfrm>
+          <a:prstGeom prst="rect">
+            <a:avLst/>
+          </a:prstGeom>
+        </p:spPr>
+        <p:txBody>
+          <a:bodyPr>
+            <a:normAutofit/>
+          </a:bodyPr>
+          <a:lstStyle>
+            <a:lvl1pPr algn="l" defTabSz="914400" rtl="0" eaLnBrk="1" latinLnBrk="0" hangingPunct="1">
+              <a:lnSpc>
+                <a:spcPct val="90000"/>
+              </a:lnSpc>
+              <a:spcBef>
+                <a:spcPct val="0"/>
+              </a:spcBef>
+              <a:buNone/>
+              <a:defRPr sz="4400" kern="1200">
+                <a:solidFill>
+                  <a:schemeClr val="accent1"/>
+                </a:solidFill>
+                <a:latin typeface="+mj-lt"/>
+                <a:ea typeface="+mj-ea"/>
+                <a:cs typeface="+mj-cs"/>
+              </a:defRPr>
+            </a:lvl1pPr>
+          </a:lstStyle>
+          <a:p>
+            <a:r>
+              <a:rPr lang="en-US" sz="4000" b="1" dirty="0">
+                <a:solidFill>
+                  <a:schemeClr val="tx1"/>
+                </a:solidFill>
+              </a:rPr>
+              <a:t>Demo architectural workflow</a:t>
+            </a:r>
+          </a:p>
+        </p:txBody>
+      </p:sp>
+      <p:pic>
+        <p:nvPicPr>
+          <p:cNvPr id="7" name="Picture 6" descr="A computer screen shot of a diagram&#10;&#10;AI-generated content may be incorrect.">
+            <a:extLst>
+              <a:ext uri="{FF2B5EF4-FFF2-40B4-BE49-F238E27FC236}">
+                <a16:creationId xmlns:a16="http://schemas.microsoft.com/office/drawing/2014/main" id="{495C08A1-308F-8F42-21B7-895BDDB36313}"/>
+              </a:ext>
+            </a:extLst>
+          </p:cNvPr>
+          <p:cNvPicPr>
+            <a:picLocks noChangeAspect="1"/>
+          </p:cNvPicPr>
+          <p:nvPr/>
+        </p:nvPicPr>
+        <p:blipFill>
+          <a:blip r:embed="rId2">
+            <a:extLst>
+              <a:ext uri="{28A0092B-C50C-407E-A947-70E740481C1C}">
+                <a14:useLocalDpi xmlns:a14="http://schemas.microsoft.com/office/drawing/2010/main" val="0"/>
+              </a:ext>
+            </a:extLst>
+          </a:blip>
+          <a:stretch>
+            <a:fillRect/>
+          </a:stretch>
+        </p:blipFill>
+        <p:spPr>
+          <a:xfrm>
+            <a:off x="325120" y="743673"/>
+            <a:ext cx="7873698" cy="5518231"/>
+          </a:xfrm>
+          <a:prstGeom prst="rect">
+            <a:avLst/>
+          </a:prstGeom>
+        </p:spPr>
+      </p:pic>
+      <p:sp>
+        <p:nvSpPr>
+          <p:cNvPr id="8" name="TextBox 7">
+            <a:extLst>
+              <a:ext uri="{FF2B5EF4-FFF2-40B4-BE49-F238E27FC236}">
+                <a16:creationId xmlns:a16="http://schemas.microsoft.com/office/drawing/2014/main" id="{F0C79B5A-D755-B051-8101-CEDF69DC2EC2}"/>
+              </a:ext>
+            </a:extLst>
+          </p:cNvPr>
+          <p:cNvSpPr txBox="1"/>
+          <p:nvPr/>
+        </p:nvSpPr>
+        <p:spPr>
+          <a:xfrm>
+            <a:off x="8198818" y="3133456"/>
+            <a:ext cx="4170366" cy="369332"/>
+          </a:xfrm>
+          <a:prstGeom prst="rect">
+            <a:avLst/>
+          </a:prstGeom>
+          <a:noFill/>
+        </p:spPr>
+        <p:txBody>
+          <a:bodyPr wrap="square">
+            <a:spAutoFit/>
+          </a:bodyPr>
+          <a:lstStyle/>
+          <a:p>
+            <a:pPr>
+              <a:buNone/>
+            </a:pPr>
+            <a:r>
+              <a:rPr lang="en-US" b="1" dirty="0"/>
+              <a:t>Much simpler</a:t>
+            </a:r>
+            <a:endParaRPr lang="en-US" dirty="0"/>
+          </a:p>
+        </p:txBody>
+      </p:sp>
+    </p:spTree>
+    <p:extLst>
+      <p:ext uri="{BB962C8B-B14F-4D97-AF65-F5344CB8AC3E}">
+        <p14:creationId xmlns:p14="http://schemas.microsoft.com/office/powerpoint/2010/main" val="3782702752"/>
+      </p:ext>
+    </p:extLst>
+  </p:cSld>
+  <p:clrMapOvr>
+    <a:masterClrMapping/>
+  </p:clrMapOvr>
+</p:sld>
+</file>
+
+<file path=ppt/slides/slide7.xml><?xml version="1.0" encoding="utf-8"?>
+<p:sld xmlns:a="http://schemas.openxmlformats.org/drawingml/2006/main" xmlns:r="http://schemas.openxmlformats.org/officeDocument/2006/relationships" xmlns:p="http://schemas.openxmlformats.org/presentationml/2006/main">
+  <p:cSld>
+    <p:spTree>
+      <p:nvGrpSpPr>
+        <p:cNvPr id="1" name="">
+          <a:extLst>
+            <a:ext uri="{FF2B5EF4-FFF2-40B4-BE49-F238E27FC236}">
+              <a16:creationId xmlns:a16="http://schemas.microsoft.com/office/drawing/2014/main" id="{F6A8AC67-70BD-B311-27D5-42CB7E66A220}"/>
+            </a:ext>
+          </a:extLst>
+        </p:cNvPr>
+        <p:cNvGrpSpPr/>
+        <p:nvPr/>
+      </p:nvGrpSpPr>
+      <p:grpSpPr>
+        <a:xfrm>
+          <a:off x="0" y="0"/>
+          <a:ext cx="0" cy="0"/>
+          <a:chOff x="0" y="0"/>
+          <a:chExt cx="0" cy="0"/>
+        </a:xfrm>
+      </p:grpSpPr>
+      <p:sp>
+        <p:nvSpPr>
+          <p:cNvPr id="4" name="Rectangle 3">
+            <a:extLst>
+              <a:ext uri="{FF2B5EF4-FFF2-40B4-BE49-F238E27FC236}">
+                <a16:creationId xmlns:a16="http://schemas.microsoft.com/office/drawing/2014/main" id="{E072DDBD-C7F3-9AE0-C53A-FBAB0DDEE525}"/>
+              </a:ext>
+            </a:extLst>
+          </p:cNvPr>
+          <p:cNvSpPr/>
+          <p:nvPr/>
+        </p:nvSpPr>
+        <p:spPr>
+          <a:xfrm>
+            <a:off x="0" y="0"/>
+            <a:ext cx="12192000" cy="6858000"/>
+          </a:xfrm>
+          <a:prstGeom prst="rect">
+            <a:avLst/>
+          </a:prstGeom>
+          <a:gradFill flip="none" rotWithShape="1">
+            <a:gsLst>
+              <a:gs pos="0">
+                <a:srgbClr val="BFEEC3">
+                  <a:shade val="30000"/>
+                  <a:satMod val="115000"/>
+                </a:srgbClr>
+              </a:gs>
+              <a:gs pos="50000">
+                <a:srgbClr val="BFEEC3">
+                  <a:shade val="67500"/>
+                  <a:satMod val="115000"/>
+                </a:srgbClr>
+              </a:gs>
+              <a:gs pos="100000">
+                <a:srgbClr val="BFEEC3">
+                  <a:shade val="100000"/>
+                  <a:satMod val="115000"/>
+                </a:srgbClr>
+              </a:gs>
+            </a:gsLst>
+            <a:lin ang="16200000" scaled="1"/>
+            <a:tileRect/>
+          </a:gradFill>
+          <a:ln>
+            <a:noFill/>
+          </a:ln>
+          <a:effectLst>
+            <a:innerShdw blurRad="114300">
+              <a:prstClr val="black"/>
+            </a:innerShdw>
+          </a:effectLst>
+          <a:scene3d>
+            <a:camera prst="orthographicFront"/>
+            <a:lightRig rig="threePt" dir="t"/>
+          </a:scene3d>
+          <a:sp3d>
+            <a:bevelT w="139700" h="139700" prst="divot"/>
+          </a:sp3d>
+        </p:spPr>
+        <p:style>
+          <a:lnRef idx="2">
+            <a:schemeClr val="accent1">
+              <a:shade val="15000"/>
+            </a:schemeClr>
+          </a:lnRef>
+          <a:fillRef idx="1">
+            <a:schemeClr val="accent1"/>
+          </a:fillRef>
+          <a:effectRef idx="0">
+            <a:schemeClr val="accent1"/>
+          </a:effectRef>
+          <a:fontRef idx="minor">
+            <a:schemeClr val="lt1"/>
+          </a:fontRef>
+        </p:style>
+        <p:txBody>
+          <a:bodyPr rtlCol="0" anchor="ctr"/>
+          <a:lstStyle/>
+          <a:p>
+            <a:pPr algn="ctr"/>
+            <a:endParaRPr lang="en-US" dirty="0"/>
+          </a:p>
+        </p:txBody>
+      </p:sp>
+      <p:sp>
+        <p:nvSpPr>
+          <p:cNvPr id="2" name="Title 1">
+            <a:extLst>
+              <a:ext uri="{FF2B5EF4-FFF2-40B4-BE49-F238E27FC236}">
+                <a16:creationId xmlns:a16="http://schemas.microsoft.com/office/drawing/2014/main" id="{2FEFBD52-F440-1E4C-AEE4-479D96146720}"/>
+              </a:ext>
+            </a:extLst>
+          </p:cNvPr>
+          <p:cNvSpPr txBox="1">
+            <a:spLocks/>
+          </p:cNvSpPr>
+          <p:nvPr/>
+        </p:nvSpPr>
+        <p:spPr>
+          <a:xfrm>
+            <a:off x="1181100" y="658856"/>
+            <a:ext cx="9966960" cy="2926080"/>
+          </a:xfrm>
+          <a:prstGeom prst="rect">
+            <a:avLst/>
+          </a:prstGeom>
+        </p:spPr>
+        <p:txBody>
+          <a:bodyPr>
+            <a:normAutofit/>
+          </a:bodyPr>
+          <a:lstStyle>
+            <a:lvl1pPr algn="l" defTabSz="914400" rtl="0" eaLnBrk="1" latinLnBrk="0" hangingPunct="1">
+              <a:lnSpc>
+                <a:spcPct val="90000"/>
+              </a:lnSpc>
+              <a:spcBef>
+                <a:spcPct val="0"/>
+              </a:spcBef>
+              <a:buNone/>
+              <a:defRPr sz="4400" kern="1200">
+                <a:solidFill>
+                  <a:schemeClr val="accent1"/>
+                </a:solidFill>
+                <a:latin typeface="+mj-lt"/>
+                <a:ea typeface="+mj-ea"/>
+                <a:cs typeface="+mj-cs"/>
+              </a:defRPr>
+            </a:lvl1pPr>
+          </a:lstStyle>
+          <a:p>
+            <a:r>
+              <a:rPr lang="en-US" dirty="0">
+                <a:solidFill>
+                  <a:schemeClr val="tx1"/>
+                </a:solidFill>
+              </a:rPr>
+              <a:t>Thanks</a:t>
+            </a:r>
+          </a:p>
+        </p:txBody>
+      </p:sp>
+    </p:spTree>
+    <p:extLst>
+      <p:ext uri="{BB962C8B-B14F-4D97-AF65-F5344CB8AC3E}">
+        <p14:creationId xmlns:p14="http://schemas.microsoft.com/office/powerpoint/2010/main" val="2146583931"/>
       </p:ext>
     </p:extLst>
   </p:cSld>

--- a/documentation/Hackathon presnetation.pptx
+++ b/documentation/Hackathon presnetation.pptx
@@ -7,11 +7,14 @@
   <p:sldIdLst>
     <p:sldId id="258" r:id="rId2"/>
     <p:sldId id="257" r:id="rId3"/>
-    <p:sldId id="259" r:id="rId4"/>
-    <p:sldId id="263" r:id="rId5"/>
-    <p:sldId id="260" r:id="rId6"/>
-    <p:sldId id="261" r:id="rId7"/>
-    <p:sldId id="262" r:id="rId8"/>
+    <p:sldId id="264" r:id="rId4"/>
+    <p:sldId id="265" r:id="rId5"/>
+    <p:sldId id="261" r:id="rId6"/>
+    <p:sldId id="259" r:id="rId7"/>
+    <p:sldId id="263" r:id="rId8"/>
+    <p:sldId id="260" r:id="rId9"/>
+    <p:sldId id="266" r:id="rId10"/>
+    <p:sldId id="262" r:id="rId11"/>
   </p:sldIdLst>
   <p:sldSz cx="12192000" cy="6858000"/>
   <p:notesSz cx="6858000" cy="9144000"/>
@@ -325,7 +328,7 @@
           <a:p>
             <a:fld id="{632C32EB-B1CB-4FAF-92D5-EF6D9591567B}" type="datetimeFigureOut">
               <a:rPr lang="en-US" smtClean="0"/>
-              <a:t>9/13/2025</a:t>
+              <a:t>9/14/2025</a:t>
             </a:fld>
             <a:endParaRPr lang="en-US"/>
           </a:p>
@@ -546,7 +549,7 @@
           <a:p>
             <a:fld id="{632C32EB-B1CB-4FAF-92D5-EF6D9591567B}" type="datetimeFigureOut">
               <a:rPr lang="en-US" smtClean="0"/>
-              <a:t>9/13/2025</a:t>
+              <a:t>9/14/2025</a:t>
             </a:fld>
             <a:endParaRPr lang="en-US"/>
           </a:p>
@@ -726,7 +729,7 @@
           <a:p>
             <a:fld id="{632C32EB-B1CB-4FAF-92D5-EF6D9591567B}" type="datetimeFigureOut">
               <a:rPr lang="en-US" smtClean="0"/>
-              <a:t>9/13/2025</a:t>
+              <a:t>9/14/2025</a:t>
             </a:fld>
             <a:endParaRPr lang="en-US"/>
           </a:p>
@@ -896,7 +899,7 @@
           <a:p>
             <a:fld id="{632C32EB-B1CB-4FAF-92D5-EF6D9591567B}" type="datetimeFigureOut">
               <a:rPr lang="en-US" smtClean="0"/>
-              <a:t>9/13/2025</a:t>
+              <a:t>9/14/2025</a:t>
             </a:fld>
             <a:endParaRPr lang="en-US"/>
           </a:p>
@@ -1147,7 +1150,7 @@
           <a:p>
             <a:fld id="{632C32EB-B1CB-4FAF-92D5-EF6D9591567B}" type="datetimeFigureOut">
               <a:rPr lang="en-US" smtClean="0"/>
-              <a:t>9/13/2025</a:t>
+              <a:t>9/14/2025</a:t>
             </a:fld>
             <a:endParaRPr lang="en-US"/>
           </a:p>
@@ -1470,7 +1473,7 @@
           <a:p>
             <a:fld id="{632C32EB-B1CB-4FAF-92D5-EF6D9591567B}" type="datetimeFigureOut">
               <a:rPr lang="en-US" smtClean="0"/>
-              <a:t>9/13/2025</a:t>
+              <a:t>9/14/2025</a:t>
             </a:fld>
             <a:endParaRPr lang="en-US"/>
           </a:p>
@@ -1894,7 +1897,7 @@
           <a:p>
             <a:fld id="{632C32EB-B1CB-4FAF-92D5-EF6D9591567B}" type="datetimeFigureOut">
               <a:rPr lang="en-US" smtClean="0"/>
-              <a:t>9/13/2025</a:t>
+              <a:t>9/14/2025</a:t>
             </a:fld>
             <a:endParaRPr lang="en-US"/>
           </a:p>
@@ -2012,7 +2015,7 @@
           <a:p>
             <a:fld id="{632C32EB-B1CB-4FAF-92D5-EF6D9591567B}" type="datetimeFigureOut">
               <a:rPr lang="en-US" smtClean="0"/>
-              <a:t>9/13/2025</a:t>
+              <a:t>9/14/2025</a:t>
             </a:fld>
             <a:endParaRPr lang="en-US"/>
           </a:p>
@@ -2107,7 +2110,7 @@
           <a:p>
             <a:fld id="{632C32EB-B1CB-4FAF-92D5-EF6D9591567B}" type="datetimeFigureOut">
               <a:rPr lang="en-US" smtClean="0"/>
-              <a:t>9/13/2025</a:t>
+              <a:t>9/14/2025</a:t>
             </a:fld>
             <a:endParaRPr lang="en-US"/>
           </a:p>
@@ -2397,7 +2400,7 @@
           <a:p>
             <a:fld id="{632C32EB-B1CB-4FAF-92D5-EF6D9591567B}" type="datetimeFigureOut">
               <a:rPr lang="en-US" smtClean="0"/>
-              <a:t>9/13/2025</a:t>
+              <a:t>9/14/2025</a:t>
             </a:fld>
             <a:endParaRPr lang="en-US"/>
           </a:p>
@@ -2669,7 +2672,7 @@
           <a:p>
             <a:fld id="{632C32EB-B1CB-4FAF-92D5-EF6D9591567B}" type="datetimeFigureOut">
               <a:rPr lang="en-US" smtClean="0"/>
-              <a:t>9/13/2025</a:t>
+              <a:t>9/14/2025</a:t>
             </a:fld>
             <a:endParaRPr lang="en-US"/>
           </a:p>
@@ -2923,7 +2926,7 @@
           <a:p>
             <a:fld id="{632C32EB-B1CB-4FAF-92D5-EF6D9591567B}" type="datetimeFigureOut">
               <a:rPr lang="en-US" smtClean="0"/>
-              <a:t>9/13/2025</a:t>
+              <a:t>9/14/2025</a:t>
             </a:fld>
             <a:endParaRPr lang="en-US"/>
           </a:p>
@@ -3384,12 +3387,161 @@
           <a:chExt cx="0" cy="0"/>
         </a:xfrm>
       </p:grpSpPr>
+      <p:sp>
+        <p:nvSpPr>
+          <p:cNvPr id="5" name="Rectangle 4">
+            <a:extLst>
+              <a:ext uri="{FF2B5EF4-FFF2-40B4-BE49-F238E27FC236}">
+                <a16:creationId xmlns:a16="http://schemas.microsoft.com/office/drawing/2014/main" id="{5543EB1C-5D0C-F48A-D671-1572F2CD76DB}"/>
+              </a:ext>
+            </a:extLst>
+          </p:cNvPr>
+          <p:cNvSpPr/>
+          <p:nvPr/>
+        </p:nvSpPr>
+        <p:spPr>
+          <a:xfrm>
+            <a:off x="0" y="0"/>
+            <a:ext cx="12192000" cy="6858000"/>
+          </a:xfrm>
+          <a:prstGeom prst="rect">
+            <a:avLst/>
+          </a:prstGeom>
+          <a:solidFill>
+            <a:srgbClr val="121212"/>
+          </a:solidFill>
+          <a:ln>
+            <a:solidFill>
+              <a:schemeClr val="tx1"/>
+            </a:solidFill>
+          </a:ln>
+          <a:effectLst>
+            <a:innerShdw blurRad="114300">
+              <a:prstClr val="black"/>
+            </a:innerShdw>
+          </a:effectLst>
+          <a:scene3d>
+            <a:camera prst="orthographicFront"/>
+            <a:lightRig rig="threePt" dir="t"/>
+          </a:scene3d>
+          <a:sp3d>
+            <a:bevelT w="139700" h="139700" prst="divot"/>
+          </a:sp3d>
+        </p:spPr>
+        <p:style>
+          <a:lnRef idx="2">
+            <a:schemeClr val="accent1">
+              <a:shade val="15000"/>
+            </a:schemeClr>
+          </a:lnRef>
+          <a:fillRef idx="1">
+            <a:schemeClr val="accent1"/>
+          </a:fillRef>
+          <a:effectRef idx="0">
+            <a:schemeClr val="accent1"/>
+          </a:effectRef>
+          <a:fontRef idx="minor">
+            <a:schemeClr val="lt1"/>
+          </a:fontRef>
+        </p:style>
+        <p:txBody>
+          <a:bodyPr rtlCol="0" anchor="ctr"/>
+          <a:lstStyle/>
+          <a:p>
+            <a:pPr algn="ctr"/>
+            <a:endParaRPr lang="en-US"/>
+          </a:p>
+        </p:txBody>
+      </p:sp>
+      <p:sp>
+        <p:nvSpPr>
+          <p:cNvPr id="2" name="Title 1">
+            <a:extLst>
+              <a:ext uri="{FF2B5EF4-FFF2-40B4-BE49-F238E27FC236}">
+                <a16:creationId xmlns:a16="http://schemas.microsoft.com/office/drawing/2014/main" id="{172FD004-A3CC-431C-B996-B7DAD0AA5360}"/>
+              </a:ext>
+            </a:extLst>
+          </p:cNvPr>
+          <p:cNvSpPr>
+            <a:spLocks noGrp="1"/>
+          </p:cNvSpPr>
+          <p:nvPr>
+            <p:ph type="ctrTitle"/>
+          </p:nvPr>
+        </p:nvSpPr>
+        <p:spPr>
+          <a:xfrm>
+            <a:off x="1181100" y="1085576"/>
+            <a:ext cx="9966960" cy="2926080"/>
+          </a:xfrm>
+        </p:spPr>
+        <p:txBody>
+          <a:bodyPr>
+            <a:normAutofit/>
+          </a:bodyPr>
+          <a:lstStyle/>
+          <a:p>
+            <a:r>
+              <a:rPr lang="en-US" dirty="0">
+                <a:solidFill>
+                  <a:schemeClr val="bg1"/>
+                </a:solidFill>
+              </a:rPr>
+              <a:t>Intelligent Core of Battery Energy Storage Systems</a:t>
+            </a:r>
+          </a:p>
+        </p:txBody>
+      </p:sp>
+      <p:sp>
+        <p:nvSpPr>
+          <p:cNvPr id="3" name="Subtitle 2">
+            <a:extLst>
+              <a:ext uri="{FF2B5EF4-FFF2-40B4-BE49-F238E27FC236}">
+                <a16:creationId xmlns:a16="http://schemas.microsoft.com/office/drawing/2014/main" id="{805098ED-B09F-A92D-3DC9-2FDC083F4D47}"/>
+              </a:ext>
+            </a:extLst>
+          </p:cNvPr>
+          <p:cNvSpPr>
+            <a:spLocks noGrp="1"/>
+          </p:cNvSpPr>
+          <p:nvPr>
+            <p:ph type="subTitle" idx="1"/>
+          </p:nvPr>
+        </p:nvSpPr>
+        <p:spPr>
+          <a:xfrm>
+            <a:off x="7480410" y="6430282"/>
+            <a:ext cx="4711590" cy="427718"/>
+          </a:xfrm>
+        </p:spPr>
+        <p:txBody>
+          <a:bodyPr/>
+          <a:lstStyle/>
+          <a:p>
+            <a:r>
+              <a:rPr lang="en-US" b="1" dirty="0">
+                <a:solidFill>
+                  <a:schemeClr val="bg1"/>
+                </a:solidFill>
+              </a:rPr>
+              <a:t>By Sebastian Russo and Javier Peres</a:t>
+            </a:r>
+          </a:p>
+          <a:p>
+            <a:endParaRPr lang="en-US" dirty="0">
+              <a:solidFill>
+                <a:schemeClr val="bg1"/>
+              </a:solidFill>
+            </a:endParaRPr>
+          </a:p>
+        </p:txBody>
+      </p:sp>
       <p:pic>
         <p:nvPicPr>
-          <p:cNvPr id="4" name="Picture 2" descr="Investing in network resilience: lessons for Germany from Portugal's blackout">
+          <p:cNvPr id="1026" name="Picture 2" descr="MaxxWatt">
             <a:extLst>
               <a:ext uri="{FF2B5EF4-FFF2-40B4-BE49-F238E27FC236}">
-                <a16:creationId xmlns:a16="http://schemas.microsoft.com/office/drawing/2014/main" id="{5199E85A-C52F-D91B-9CD3-CA8A1C29AD5E}"/>
+                <a16:creationId xmlns:a16="http://schemas.microsoft.com/office/drawing/2014/main" id="{8DD79D98-2A89-2712-2BBF-2E933AB70B7F}"/>
               </a:ext>
             </a:extLst>
           </p:cNvPr>
@@ -3413,125 +3565,269 @@
         </p:blipFill>
         <p:spPr bwMode="auto">
           <a:xfrm>
-            <a:off x="0" y="0"/>
-            <a:ext cx="12192000" cy="8128000"/>
+            <a:off x="350471" y="5298385"/>
+            <a:ext cx="2860357" cy="900759"/>
           </a:xfrm>
           <a:prstGeom prst="rect">
             <a:avLst/>
           </a:prstGeom>
           <a:noFill/>
+          <a:extLst>
+            <a:ext uri="{909E8E84-426E-40DD-AFC4-6F175D3DCCD1}">
+              <a14:hiddenFill xmlns:a14="http://schemas.microsoft.com/office/drawing/2010/main">
+                <a:solidFill>
+                  <a:srgbClr val="FFFFFF"/>
+                </a:solidFill>
+              </a14:hiddenFill>
+            </a:ext>
+          </a:extLst>
+        </p:spPr>
+      </p:pic>
+      <p:cxnSp>
+        <p:nvCxnSpPr>
+          <p:cNvPr id="7" name="Straight Connector 6">
+            <a:extLst>
+              <a:ext uri="{FF2B5EF4-FFF2-40B4-BE49-F238E27FC236}">
+                <a16:creationId xmlns:a16="http://schemas.microsoft.com/office/drawing/2014/main" id="{39D12E4F-E0C4-3F3A-B6FC-0B187888519C}"/>
+              </a:ext>
+            </a:extLst>
+          </p:cNvPr>
+          <p:cNvCxnSpPr>
+            <a:cxnSpLocks/>
+          </p:cNvCxnSpPr>
+          <p:nvPr/>
+        </p:nvCxnSpPr>
+        <p:spPr>
+          <a:xfrm>
+            <a:off x="1036320" y="4011656"/>
+            <a:ext cx="10373360" cy="0"/>
+          </a:xfrm>
+          <a:prstGeom prst="line">
+            <a:avLst/>
+          </a:prstGeom>
+          <a:ln w="38100"/>
+        </p:spPr>
+        <p:style>
+          <a:lnRef idx="1">
+            <a:schemeClr val="accent1"/>
+          </a:lnRef>
+          <a:fillRef idx="0">
+            <a:schemeClr val="accent1"/>
+          </a:fillRef>
+          <a:effectRef idx="0">
+            <a:schemeClr val="accent1"/>
+          </a:effectRef>
+          <a:fontRef idx="minor">
+            <a:schemeClr val="tx1"/>
+          </a:fontRef>
+        </p:style>
+      </p:cxnSp>
+    </p:spTree>
+    <p:extLst>
+      <p:ext uri="{BB962C8B-B14F-4D97-AF65-F5344CB8AC3E}">
+        <p14:creationId xmlns:p14="http://schemas.microsoft.com/office/powerpoint/2010/main" val="4167233141"/>
+      </p:ext>
+    </p:extLst>
+  </p:cSld>
+  <p:clrMapOvr>
+    <a:masterClrMapping/>
+  </p:clrMapOvr>
+</p:sld>
+</file>
+
+<file path=ppt/slides/slide10.xml><?xml version="1.0" encoding="utf-8"?>
+<p:sld xmlns:a="http://schemas.openxmlformats.org/drawingml/2006/main" xmlns:r="http://schemas.openxmlformats.org/officeDocument/2006/relationships" xmlns:p="http://schemas.openxmlformats.org/presentationml/2006/main">
+  <p:cSld>
+    <p:spTree>
+      <p:nvGrpSpPr>
+        <p:cNvPr id="1" name="">
+          <a:extLst>
+            <a:ext uri="{FF2B5EF4-FFF2-40B4-BE49-F238E27FC236}">
+              <a16:creationId xmlns:a16="http://schemas.microsoft.com/office/drawing/2014/main" id="{F6A8AC67-70BD-B311-27D5-42CB7E66A220}"/>
+            </a:ext>
+          </a:extLst>
+        </p:cNvPr>
+        <p:cNvGrpSpPr/>
+        <p:nvPr/>
+      </p:nvGrpSpPr>
+      <p:grpSpPr>
+        <a:xfrm>
+          <a:off x="0" y="0"/>
+          <a:ext cx="0" cy="0"/>
+          <a:chOff x="0" y="0"/>
+          <a:chExt cx="0" cy="0"/>
+        </a:xfrm>
+      </p:grpSpPr>
+      <p:sp>
+        <p:nvSpPr>
+          <p:cNvPr id="4" name="Rectangle 3">
+            <a:extLst>
+              <a:ext uri="{FF2B5EF4-FFF2-40B4-BE49-F238E27FC236}">
+                <a16:creationId xmlns:a16="http://schemas.microsoft.com/office/drawing/2014/main" id="{E072DDBD-C7F3-9AE0-C53A-FBAB0DDEE525}"/>
+              </a:ext>
+            </a:extLst>
+          </p:cNvPr>
+          <p:cNvSpPr/>
+          <p:nvPr/>
+        </p:nvSpPr>
+        <p:spPr>
+          <a:xfrm>
+            <a:off x="0" y="0"/>
+            <a:ext cx="12192000" cy="6858000"/>
+          </a:xfrm>
+          <a:prstGeom prst="rect">
+            <a:avLst/>
+          </a:prstGeom>
+          <a:solidFill>
+            <a:srgbClr val="000000"/>
+          </a:solidFill>
+          <a:ln>
+            <a:noFill/>
+          </a:ln>
+          <a:effectLst>
+            <a:innerShdw blurRad="114300">
+              <a:prstClr val="black"/>
+            </a:innerShdw>
+          </a:effectLst>
           <a:scene3d>
             <a:camera prst="orthographicFront"/>
             <a:lightRig rig="threePt" dir="t"/>
           </a:scene3d>
           <a:sp3d>
-            <a:bevelT/>
+            <a:bevelT w="139700" h="139700" prst="divot"/>
           </a:sp3d>
-          <a:extLst>
-            <a:ext uri="{909E8E84-426E-40DD-AFC4-6F175D3DCCD1}">
-              <a14:hiddenFill xmlns:a14="http://schemas.microsoft.com/office/drawing/2010/main">
-                <a:solidFill>
-                  <a:srgbClr val="FFFFFF"/>
-                </a:solidFill>
-              </a14:hiddenFill>
-            </a:ext>
-          </a:extLst>
-        </p:spPr>
-      </p:pic>
+        </p:spPr>
+        <p:style>
+          <a:lnRef idx="2">
+            <a:schemeClr val="accent1">
+              <a:shade val="15000"/>
+            </a:schemeClr>
+          </a:lnRef>
+          <a:fillRef idx="1">
+            <a:schemeClr val="accent1"/>
+          </a:fillRef>
+          <a:effectRef idx="0">
+            <a:schemeClr val="accent1"/>
+          </a:effectRef>
+          <a:fontRef idx="minor">
+            <a:schemeClr val="lt1"/>
+          </a:fontRef>
+        </p:style>
+        <p:txBody>
+          <a:bodyPr rtlCol="0" anchor="ctr"/>
+          <a:lstStyle/>
+          <a:p>
+            <a:pPr algn="ctr"/>
+            <a:endParaRPr lang="en-US" dirty="0"/>
+          </a:p>
+        </p:txBody>
+      </p:sp>
       <p:sp>
         <p:nvSpPr>
           <p:cNvPr id="2" name="Title 1">
             <a:extLst>
               <a:ext uri="{FF2B5EF4-FFF2-40B4-BE49-F238E27FC236}">
-                <a16:creationId xmlns:a16="http://schemas.microsoft.com/office/drawing/2014/main" id="{172FD004-A3CC-431C-B996-B7DAD0AA5360}"/>
+                <a16:creationId xmlns:a16="http://schemas.microsoft.com/office/drawing/2014/main" id="{2FEFBD52-F440-1E4C-AEE4-479D96146720}"/>
               </a:ext>
             </a:extLst>
           </p:cNvPr>
-          <p:cNvSpPr>
-            <a:spLocks noGrp="1"/>
-          </p:cNvSpPr>
-          <p:nvPr>
-            <p:ph type="ctrTitle"/>
-          </p:nvPr>
+          <p:cNvSpPr txBox="1">
+            <a:spLocks/>
+          </p:cNvSpPr>
+          <p:nvPr/>
         </p:nvSpPr>
         <p:spPr>
           <a:xfrm>
-            <a:off x="1181100" y="658856"/>
-            <a:ext cx="9966960" cy="2926080"/>
-          </a:xfrm>
+            <a:off x="815340" y="557255"/>
+            <a:ext cx="6875780" cy="763544"/>
+          </a:xfrm>
+          <a:prstGeom prst="rect">
+            <a:avLst/>
+          </a:prstGeom>
         </p:spPr>
         <p:txBody>
           <a:bodyPr>
             <a:normAutofit/>
           </a:bodyPr>
-          <a:lstStyle/>
+          <a:lstStyle>
+            <a:lvl1pPr algn="l" defTabSz="914400" rtl="0" eaLnBrk="1" latinLnBrk="0" hangingPunct="1">
+              <a:lnSpc>
+                <a:spcPct val="90000"/>
+              </a:lnSpc>
+              <a:spcBef>
+                <a:spcPct val="0"/>
+              </a:spcBef>
+              <a:buNone/>
+              <a:defRPr sz="4400" kern="1200">
+                <a:solidFill>
+                  <a:schemeClr val="accent1"/>
+                </a:solidFill>
+                <a:latin typeface="+mj-lt"/>
+                <a:ea typeface="+mj-ea"/>
+                <a:cs typeface="+mj-cs"/>
+              </a:defRPr>
+            </a:lvl1pPr>
+          </a:lstStyle>
           <a:p>
             <a:r>
               <a:rPr lang="en-US" dirty="0">
                 <a:solidFill>
-                  <a:schemeClr val="tx1"/>
+                  <a:schemeClr val="bg1"/>
                 </a:solidFill>
               </a:rPr>
-              <a:t>Intelligent Core of Battery Energy Storage Systems</a:t>
-            </a:r>
-          </a:p>
-        </p:txBody>
-      </p:sp>
-      <p:sp>
-        <p:nvSpPr>
-          <p:cNvPr id="3" name="Subtitle 2">
+              <a:t>Thanks for your attention!!!</a:t>
+            </a:r>
+          </a:p>
+        </p:txBody>
+      </p:sp>
+      <p:pic>
+        <p:nvPicPr>
+          <p:cNvPr id="5" name="Picture 4" descr="A qr code on a black background&#10;&#10;AI-generated content may be incorrect.">
             <a:extLst>
               <a:ext uri="{FF2B5EF4-FFF2-40B4-BE49-F238E27FC236}">
-                <a16:creationId xmlns:a16="http://schemas.microsoft.com/office/drawing/2014/main" id="{805098ED-B09F-A92D-3DC9-2FDC083F4D47}"/>
-              </a:ext>
-            </a:extLst>
-          </p:cNvPr>
-          <p:cNvSpPr>
-            <a:spLocks noGrp="1"/>
-          </p:cNvSpPr>
-          <p:nvPr>
-            <p:ph type="subTitle" idx="1"/>
-          </p:nvPr>
-        </p:nvSpPr>
-        <p:spPr>
-          <a:xfrm>
-            <a:off x="7480410" y="6430282"/>
-            <a:ext cx="4711590" cy="427718"/>
-          </a:xfrm>
-        </p:spPr>
-        <p:txBody>
-          <a:bodyPr/>
-          <a:lstStyle/>
-          <a:p>
-            <a:r>
-              <a:rPr lang="en-US" b="1" dirty="0">
-                <a:solidFill>
-                  <a:schemeClr val="tx1"/>
-                </a:solidFill>
-              </a:rPr>
-              <a:t>By Sebastian Russo and Javier Peres</a:t>
-            </a:r>
-          </a:p>
-          <a:p>
-            <a:endParaRPr lang="en-US" dirty="0">
-              <a:solidFill>
-                <a:schemeClr val="tx1"/>
-              </a:solidFill>
-            </a:endParaRPr>
-          </a:p>
-        </p:txBody>
-      </p:sp>
-      <p:pic>
-        <p:nvPicPr>
-          <p:cNvPr id="1026" name="Picture 2" descr="MaxxWatt">
-            <a:extLst>
-              <a:ext uri="{FF2B5EF4-FFF2-40B4-BE49-F238E27FC236}">
-                <a16:creationId xmlns:a16="http://schemas.microsoft.com/office/drawing/2014/main" id="{8DD79D98-2A89-2712-2BBF-2E933AB70B7F}"/>
+                <a16:creationId xmlns:a16="http://schemas.microsoft.com/office/drawing/2014/main" id="{2898BB13-48EE-691A-3149-1D4409723151}"/>
               </a:ext>
             </a:extLst>
           </p:cNvPr>
           <p:cNvPicPr>
-            <a:picLocks noChangeAspect="1" noChangeArrowheads="1"/>
+            <a:picLocks noChangeAspect="1"/>
+          </p:cNvPicPr>
+          <p:nvPr/>
+        </p:nvPicPr>
+        <p:blipFill>
+          <a:blip r:embed="rId2">
+            <a:extLst>
+              <a:ext uri="{28A0092B-C50C-407E-A947-70E740481C1C}">
+                <a14:useLocalDpi xmlns:a14="http://schemas.microsoft.com/office/drawing/2010/main" val="0"/>
+              </a:ext>
+            </a:extLst>
+          </a:blip>
+          <a:srcRect l="5421" t="2748" r="5292" b="5288"/>
+          <a:stretch>
+            <a:fillRect/>
+          </a:stretch>
+        </p:blipFill>
+        <p:spPr>
+          <a:xfrm>
+            <a:off x="815340" y="1320799"/>
+            <a:ext cx="5060633" cy="4734561"/>
+          </a:xfrm>
+          <a:prstGeom prst="rect">
+            <a:avLst/>
+          </a:prstGeom>
+        </p:spPr>
+      </p:pic>
+      <p:pic>
+        <p:nvPicPr>
+          <p:cNvPr id="7" name="Picture 6" descr="A screenshot of a qr code&#10;&#10;AI-generated content may be incorrect.">
+            <a:extLst>
+              <a:ext uri="{FF2B5EF4-FFF2-40B4-BE49-F238E27FC236}">
+                <a16:creationId xmlns:a16="http://schemas.microsoft.com/office/drawing/2014/main" id="{9D85A3A5-62E5-3024-D963-0EA7B3638C31}"/>
+              </a:ext>
+            </a:extLst>
+          </p:cNvPr>
+          <p:cNvPicPr>
+            <a:picLocks noChangeAspect="1"/>
           </p:cNvPicPr>
           <p:nvPr/>
         </p:nvPicPr>
@@ -3543,35 +3839,25 @@
               </a:ext>
             </a:extLst>
           </a:blip>
-          <a:srcRect/>
+          <a:srcRect t="5514"/>
           <a:stretch>
             <a:fillRect/>
           </a:stretch>
         </p:blipFill>
-        <p:spPr bwMode="auto">
-          <a:xfrm>
-            <a:off x="370791" y="5638164"/>
-            <a:ext cx="2860357" cy="900759"/>
+        <p:spPr>
+          <a:xfrm>
+            <a:off x="6316029" y="1320799"/>
+            <a:ext cx="5281674" cy="5100321"/>
           </a:xfrm>
           <a:prstGeom prst="rect">
             <a:avLst/>
           </a:prstGeom>
-          <a:noFill/>
-          <a:extLst>
-            <a:ext uri="{909E8E84-426E-40DD-AFC4-6F175D3DCCD1}">
-              <a14:hiddenFill xmlns:a14="http://schemas.microsoft.com/office/drawing/2010/main">
-                <a:solidFill>
-                  <a:srgbClr val="FFFFFF"/>
-                </a:solidFill>
-              </a14:hiddenFill>
-            </a:ext>
-          </a:extLst>
         </p:spPr>
       </p:pic>
     </p:spTree>
     <p:extLst>
       <p:ext uri="{BB962C8B-B14F-4D97-AF65-F5344CB8AC3E}">
-        <p14:creationId xmlns:p14="http://schemas.microsoft.com/office/powerpoint/2010/main" val="4167233141"/>
+        <p14:creationId xmlns:p14="http://schemas.microsoft.com/office/powerpoint/2010/main" val="2146583931"/>
       </p:ext>
     </p:extLst>
   </p:cSld>
@@ -3618,32 +3904,13 @@
           <a:prstGeom prst="rect">
             <a:avLst/>
           </a:prstGeom>
-          <a:gradFill flip="none" rotWithShape="1">
-            <a:gsLst>
-              <a:gs pos="0">
-                <a:srgbClr val="BFEEC3">
-                  <a:shade val="30000"/>
-                  <a:satMod val="115000"/>
-                </a:srgbClr>
-              </a:gs>
-              <a:gs pos="50000">
-                <a:srgbClr val="BFEEC3">
-                  <a:shade val="67500"/>
-                  <a:satMod val="115000"/>
-                </a:srgbClr>
-              </a:gs>
-              <a:gs pos="100000">
-                <a:srgbClr val="BFEEC3">
-                  <a:shade val="100000"/>
-                  <a:satMod val="115000"/>
-                </a:srgbClr>
-              </a:gs>
-            </a:gsLst>
-            <a:lin ang="13500000" scaled="1"/>
-            <a:tileRect/>
-          </a:gradFill>
+          <a:solidFill>
+            <a:srgbClr val="121212"/>
+          </a:solidFill>
           <a:ln>
-            <a:noFill/>
+            <a:solidFill>
+              <a:schemeClr val="tx1"/>
+            </a:solidFill>
           </a:ln>
           <a:effectLst>
             <a:innerShdw blurRad="114300">
@@ -3715,15 +3982,27 @@
               <a:buNone/>
             </a:pPr>
             <a:r>
-              <a:rPr lang="en-US" dirty="0"/>
+              <a:rPr lang="en-US" dirty="0">
+                <a:solidFill>
+                  <a:schemeClr val="bg1"/>
+                </a:solidFill>
+              </a:rPr>
               <a:t>Build </a:t>
             </a:r>
             <a:r>
-              <a:rPr lang="en-US" b="1" dirty="0"/>
+              <a:rPr lang="en-US" b="1" dirty="0">
+                <a:solidFill>
+                  <a:schemeClr val="bg1"/>
+                </a:solidFill>
+              </a:rPr>
               <a:t>Battery Energy Storage System (BESS) platform</a:t>
             </a:r>
             <a:r>
-              <a:rPr lang="en-US" dirty="0"/>
+              <a:rPr lang="en-US" dirty="0">
+                <a:solidFill>
+                  <a:schemeClr val="bg1"/>
+                </a:solidFill>
+              </a:rPr>
               <a:t> prototype.</a:t>
             </a:r>
           </a:p>
@@ -3779,7 +4058,7 @@
             <a:r>
               <a:rPr lang="en-US" sz="6000" b="1" dirty="0">
                 <a:solidFill>
-                  <a:schemeClr val="tx1"/>
+                  <a:schemeClr val="bg1"/>
                 </a:solidFill>
               </a:rPr>
               <a:t>Challenge</a:t>
@@ -3787,12 +4066,628 @@
           </a:p>
         </p:txBody>
       </p:sp>
+      <p:sp>
+        <p:nvSpPr>
+          <p:cNvPr id="8" name="TextBox 7">
+            <a:extLst>
+              <a:ext uri="{FF2B5EF4-FFF2-40B4-BE49-F238E27FC236}">
+                <a16:creationId xmlns:a16="http://schemas.microsoft.com/office/drawing/2014/main" id="{8653A436-09C4-58C5-D9A6-F7B5BC9580DC}"/>
+              </a:ext>
+            </a:extLst>
+          </p:cNvPr>
+          <p:cNvSpPr txBox="1"/>
+          <p:nvPr/>
+        </p:nvSpPr>
+        <p:spPr>
+          <a:xfrm>
+            <a:off x="7696514" y="1329740"/>
+            <a:ext cx="4170366" cy="3970318"/>
+          </a:xfrm>
+          <a:prstGeom prst="rect">
+            <a:avLst/>
+          </a:prstGeom>
+          <a:noFill/>
+        </p:spPr>
+        <p:txBody>
+          <a:bodyPr wrap="square">
+            <a:spAutoFit/>
+          </a:bodyPr>
+          <a:lstStyle/>
+          <a:p>
+            <a:pPr>
+              <a:buNone/>
+            </a:pPr>
+            <a:r>
+              <a:rPr lang="en-US" b="1" dirty="0">
+                <a:solidFill>
+                  <a:schemeClr val="bg1"/>
+                </a:solidFill>
+              </a:rPr>
+              <a:t>Requirements:</a:t>
+            </a:r>
+            <a:endParaRPr lang="en-US" dirty="0">
+              <a:solidFill>
+                <a:schemeClr val="bg1"/>
+              </a:solidFill>
+            </a:endParaRPr>
+          </a:p>
+          <a:p>
+            <a:pPr marL="285750" indent="-285750">
+              <a:buFont typeface="Arial" panose="020B0604020202020204" pitchFamily="34" charset="0"/>
+              <a:buChar char="•"/>
+            </a:pPr>
+            <a:r>
+              <a:rPr lang="en-US" dirty="0">
+                <a:solidFill>
+                  <a:schemeClr val="bg1"/>
+                </a:solidFill>
+              </a:rPr>
+              <a:t>Accept and process </a:t>
+            </a:r>
+            <a:r>
+              <a:rPr lang="en-US" b="1" dirty="0">
+                <a:solidFill>
+                  <a:schemeClr val="bg1"/>
+                </a:solidFill>
+              </a:rPr>
+              <a:t>real-time and historical BESS data</a:t>
+            </a:r>
+          </a:p>
+          <a:p>
+            <a:pPr marL="285750" indent="-285750">
+              <a:buFont typeface="Arial" panose="020B0604020202020204" pitchFamily="34" charset="0"/>
+              <a:buChar char="•"/>
+            </a:pPr>
+            <a:endParaRPr lang="en-US" dirty="0">
+              <a:solidFill>
+                <a:schemeClr val="bg1"/>
+              </a:solidFill>
+            </a:endParaRPr>
+          </a:p>
+          <a:p>
+            <a:pPr marL="285750" indent="-285750">
+              <a:buFont typeface="Arial" panose="020B0604020202020204" pitchFamily="34" charset="0"/>
+              <a:buChar char="•"/>
+            </a:pPr>
+            <a:r>
+              <a:rPr lang="en-US" dirty="0">
+                <a:solidFill>
+                  <a:schemeClr val="bg1"/>
+                </a:solidFill>
+              </a:rPr>
+              <a:t>Display </a:t>
+            </a:r>
+            <a:r>
+              <a:rPr lang="en-US" b="1" dirty="0">
+                <a:solidFill>
+                  <a:schemeClr val="bg1"/>
+                </a:solidFill>
+              </a:rPr>
+              <a:t>actionable insights</a:t>
+            </a:r>
+            <a:r>
+              <a:rPr lang="en-US" dirty="0">
+                <a:solidFill>
+                  <a:schemeClr val="bg1"/>
+                </a:solidFill>
+              </a:rPr>
+              <a:t> for technical asset managers</a:t>
+            </a:r>
+          </a:p>
+          <a:p>
+            <a:pPr marL="285750" indent="-285750">
+              <a:buFont typeface="Arial" panose="020B0604020202020204" pitchFamily="34" charset="0"/>
+              <a:buChar char="•"/>
+            </a:pPr>
+            <a:endParaRPr lang="en-US" dirty="0">
+              <a:solidFill>
+                <a:schemeClr val="bg1"/>
+              </a:solidFill>
+            </a:endParaRPr>
+          </a:p>
+          <a:p>
+            <a:pPr marL="285750" indent="-285750">
+              <a:buFont typeface="Arial" panose="020B0604020202020204" pitchFamily="34" charset="0"/>
+              <a:buChar char="•"/>
+            </a:pPr>
+            <a:r>
+              <a:rPr lang="en-US" dirty="0">
+                <a:solidFill>
+                  <a:schemeClr val="bg1"/>
+                </a:solidFill>
+              </a:rPr>
+              <a:t>Be </a:t>
+            </a:r>
+            <a:r>
+              <a:rPr lang="en-US" b="1" dirty="0">
+                <a:solidFill>
+                  <a:schemeClr val="bg1"/>
+                </a:solidFill>
+              </a:rPr>
+              <a:t>extensible</a:t>
+            </a:r>
+            <a:r>
+              <a:rPr lang="en-US" dirty="0">
+                <a:solidFill>
+                  <a:schemeClr val="bg1"/>
+                </a:solidFill>
+              </a:rPr>
+              <a:t> for third parties (optimizers, grid operators)</a:t>
+            </a:r>
+          </a:p>
+          <a:p>
+            <a:pPr marL="285750" indent="-285750">
+              <a:buFont typeface="Arial" panose="020B0604020202020204" pitchFamily="34" charset="0"/>
+              <a:buChar char="•"/>
+            </a:pPr>
+            <a:endParaRPr lang="en-US" dirty="0">
+              <a:solidFill>
+                <a:schemeClr val="bg1"/>
+              </a:solidFill>
+            </a:endParaRPr>
+          </a:p>
+          <a:p>
+            <a:pPr marL="285750" indent="-285750">
+              <a:buFont typeface="Arial" panose="020B0604020202020204" pitchFamily="34" charset="0"/>
+              <a:buChar char="•"/>
+            </a:pPr>
+            <a:r>
+              <a:rPr lang="en-US" dirty="0">
+                <a:solidFill>
+                  <a:schemeClr val="bg1"/>
+                </a:solidFill>
+              </a:rPr>
+              <a:t>Include </a:t>
+            </a:r>
+            <a:r>
+              <a:rPr lang="en-US" b="1" dirty="0">
+                <a:solidFill>
+                  <a:schemeClr val="bg1"/>
+                </a:solidFill>
+              </a:rPr>
+              <a:t>at least one innovative feature</a:t>
+            </a:r>
+            <a:r>
+              <a:rPr lang="en-US" dirty="0">
+                <a:solidFill>
+                  <a:schemeClr val="bg1"/>
+                </a:solidFill>
+              </a:rPr>
+              <a:t> beyond generic dashboards</a:t>
+            </a:r>
+          </a:p>
+          <a:p>
+            <a:pPr marL="285750" indent="-285750">
+              <a:buFont typeface="Arial" panose="020B0604020202020204" pitchFamily="34" charset="0"/>
+              <a:buChar char="•"/>
+            </a:pPr>
+            <a:endParaRPr lang="en-US" dirty="0">
+              <a:solidFill>
+                <a:schemeClr val="bg1"/>
+              </a:solidFill>
+            </a:endParaRPr>
+          </a:p>
+          <a:p>
+            <a:pPr marL="285750" indent="-285750">
+              <a:buFont typeface="Arial" panose="020B0604020202020204" pitchFamily="34" charset="0"/>
+              <a:buChar char="•"/>
+            </a:pPr>
+            <a:r>
+              <a:rPr lang="en-US" b="1" dirty="0">
+                <a:solidFill>
+                  <a:schemeClr val="bg1"/>
+                </a:solidFill>
+              </a:rPr>
+              <a:t>EU compliant </a:t>
+            </a:r>
+            <a:r>
+              <a:rPr lang="en-US" dirty="0">
+                <a:solidFill>
+                  <a:schemeClr val="bg1"/>
+                </a:solidFill>
+              </a:rPr>
+              <a:t>sensors and controllers</a:t>
+            </a:r>
+          </a:p>
+        </p:txBody>
+      </p:sp>
       <p:pic>
         <p:nvPicPr>
-          <p:cNvPr id="7" name="Picture 6" descr="c &amp; i bess">
+          <p:cNvPr id="2" name="Picture 2" descr="Investing in network resilience: lessons for Germany from Portugal's blackout">
             <a:extLst>
               <a:ext uri="{FF2B5EF4-FFF2-40B4-BE49-F238E27FC236}">
-                <a16:creationId xmlns:a16="http://schemas.microsoft.com/office/drawing/2014/main" id="{6BE689F7-3F3F-49C9-5B09-05DBDEA06772}"/>
+                <a16:creationId xmlns:a16="http://schemas.microsoft.com/office/drawing/2014/main" id="{5199E85A-C52F-D91B-9CD3-CA8A1C29AD5E}"/>
+              </a:ext>
+            </a:extLst>
+          </p:cNvPr>
+          <p:cNvPicPr>
+            <a:picLocks noChangeAspect="1" noChangeArrowheads="1"/>
+          </p:cNvPicPr>
+          <p:nvPr/>
+        </p:nvPicPr>
+        <p:blipFill>
+          <a:blip r:embed="rId2">
+            <a:extLst>
+              <a:ext uri="{28A0092B-C50C-407E-A947-70E740481C1C}">
+                <a14:useLocalDpi xmlns:a14="http://schemas.microsoft.com/office/drawing/2010/main" val="0"/>
+              </a:ext>
+            </a:extLst>
+          </a:blip>
+          <a:srcRect/>
+          <a:stretch>
+            <a:fillRect/>
+          </a:stretch>
+        </p:blipFill>
+        <p:spPr bwMode="auto">
+          <a:xfrm>
+            <a:off x="325120" y="1329740"/>
+            <a:ext cx="7371394" cy="4745940"/>
+          </a:xfrm>
+          <a:prstGeom prst="rect">
+            <a:avLst/>
+          </a:prstGeom>
+          <a:noFill/>
+          <a:scene3d>
+            <a:camera prst="orthographicFront"/>
+            <a:lightRig rig="threePt" dir="t"/>
+          </a:scene3d>
+          <a:sp3d>
+            <a:bevelT/>
+          </a:sp3d>
+          <a:extLst>
+            <a:ext uri="{909E8E84-426E-40DD-AFC4-6F175D3DCCD1}">
+              <a14:hiddenFill xmlns:a14="http://schemas.microsoft.com/office/drawing/2010/main">
+                <a:solidFill>
+                  <a:srgbClr val="FFFFFF"/>
+                </a:solidFill>
+              </a14:hiddenFill>
+            </a:ext>
+          </a:extLst>
+        </p:spPr>
+      </p:pic>
+    </p:spTree>
+    <p:extLst>
+      <p:ext uri="{BB962C8B-B14F-4D97-AF65-F5344CB8AC3E}">
+        <p14:creationId xmlns:p14="http://schemas.microsoft.com/office/powerpoint/2010/main" val="4098624181"/>
+      </p:ext>
+    </p:extLst>
+  </p:cSld>
+  <p:clrMapOvr>
+    <a:masterClrMapping/>
+  </p:clrMapOvr>
+</p:sld>
+</file>
+
+<file path=ppt/slides/slide3.xml><?xml version="1.0" encoding="utf-8"?>
+<p:sld xmlns:a="http://schemas.openxmlformats.org/drawingml/2006/main" xmlns:r="http://schemas.openxmlformats.org/officeDocument/2006/relationships" xmlns:p="http://schemas.openxmlformats.org/presentationml/2006/main">
+  <p:cSld>
+    <p:spTree>
+      <p:nvGrpSpPr>
+        <p:cNvPr id="1" name="">
+          <a:extLst>
+            <a:ext uri="{FF2B5EF4-FFF2-40B4-BE49-F238E27FC236}">
+              <a16:creationId xmlns:a16="http://schemas.microsoft.com/office/drawing/2014/main" id="{FBF3D1DC-E8DB-486F-C681-4AFF0538D612}"/>
+            </a:ext>
+          </a:extLst>
+        </p:cNvPr>
+        <p:cNvGrpSpPr/>
+        <p:nvPr/>
+      </p:nvGrpSpPr>
+      <p:grpSpPr>
+        <a:xfrm>
+          <a:off x="0" y="0"/>
+          <a:ext cx="0" cy="0"/>
+          <a:chOff x="0" y="0"/>
+          <a:chExt cx="0" cy="0"/>
+        </a:xfrm>
+      </p:grpSpPr>
+      <p:sp>
+        <p:nvSpPr>
+          <p:cNvPr id="4" name="Rectangle 3">
+            <a:extLst>
+              <a:ext uri="{FF2B5EF4-FFF2-40B4-BE49-F238E27FC236}">
+                <a16:creationId xmlns:a16="http://schemas.microsoft.com/office/drawing/2014/main" id="{8100F805-1F28-74CA-7C16-215D61B716E6}"/>
+              </a:ext>
+            </a:extLst>
+          </p:cNvPr>
+          <p:cNvSpPr/>
+          <p:nvPr/>
+        </p:nvSpPr>
+        <p:spPr>
+          <a:xfrm>
+            <a:off x="0" y="0"/>
+            <a:ext cx="12192000" cy="6858000"/>
+          </a:xfrm>
+          <a:prstGeom prst="rect">
+            <a:avLst/>
+          </a:prstGeom>
+          <a:solidFill>
+            <a:srgbClr val="121212"/>
+          </a:solidFill>
+          <a:ln>
+            <a:solidFill>
+              <a:schemeClr val="tx1"/>
+            </a:solidFill>
+          </a:ln>
+          <a:effectLst>
+            <a:innerShdw blurRad="114300">
+              <a:prstClr val="black"/>
+            </a:innerShdw>
+          </a:effectLst>
+          <a:scene3d>
+            <a:camera prst="orthographicFront"/>
+            <a:lightRig rig="threePt" dir="t"/>
+          </a:scene3d>
+          <a:sp3d>
+            <a:bevelT w="139700" h="139700" prst="divot"/>
+          </a:sp3d>
+        </p:spPr>
+        <p:style>
+          <a:lnRef idx="2">
+            <a:schemeClr val="accent1">
+              <a:shade val="15000"/>
+            </a:schemeClr>
+          </a:lnRef>
+          <a:fillRef idx="1">
+            <a:schemeClr val="accent1"/>
+          </a:fillRef>
+          <a:effectRef idx="0">
+            <a:schemeClr val="accent1"/>
+          </a:effectRef>
+          <a:fontRef idx="minor">
+            <a:schemeClr val="lt1"/>
+          </a:fontRef>
+        </p:style>
+        <p:txBody>
+          <a:bodyPr rtlCol="0" anchor="ctr"/>
+          <a:lstStyle/>
+          <a:p>
+            <a:pPr algn="ctr"/>
+            <a:endParaRPr lang="en-US"/>
+          </a:p>
+        </p:txBody>
+      </p:sp>
+      <p:sp>
+        <p:nvSpPr>
+          <p:cNvPr id="6" name="Title 1">
+            <a:extLst>
+              <a:ext uri="{FF2B5EF4-FFF2-40B4-BE49-F238E27FC236}">
+                <a16:creationId xmlns:a16="http://schemas.microsoft.com/office/drawing/2014/main" id="{1519DEDD-CDBE-D0E6-9C50-A4B588949786}"/>
+              </a:ext>
+            </a:extLst>
+          </p:cNvPr>
+          <p:cNvSpPr txBox="1">
+            <a:spLocks/>
+          </p:cNvSpPr>
+          <p:nvPr/>
+        </p:nvSpPr>
+        <p:spPr>
+          <a:xfrm>
+            <a:off x="325119" y="164472"/>
+            <a:ext cx="6522721" cy="1196968"/>
+          </a:xfrm>
+          <a:prstGeom prst="rect">
+            <a:avLst/>
+          </a:prstGeom>
+        </p:spPr>
+        <p:txBody>
+          <a:bodyPr>
+            <a:normAutofit/>
+          </a:bodyPr>
+          <a:lstStyle>
+            <a:lvl1pPr algn="l" defTabSz="914400" rtl="0" eaLnBrk="1" latinLnBrk="0" hangingPunct="1">
+              <a:lnSpc>
+                <a:spcPct val="90000"/>
+              </a:lnSpc>
+              <a:spcBef>
+                <a:spcPct val="0"/>
+              </a:spcBef>
+              <a:buNone/>
+              <a:defRPr sz="4400" kern="1200">
+                <a:solidFill>
+                  <a:schemeClr val="accent1"/>
+                </a:solidFill>
+                <a:latin typeface="+mj-lt"/>
+                <a:ea typeface="+mj-ea"/>
+                <a:cs typeface="+mj-cs"/>
+              </a:defRPr>
+            </a:lvl1pPr>
+          </a:lstStyle>
+          <a:p>
+            <a:r>
+              <a:rPr lang="en-US" sz="3600" b="1" dirty="0">
+                <a:solidFill>
+                  <a:schemeClr val="bg1"/>
+                </a:solidFill>
+              </a:rPr>
+              <a:t>Energy production in Germany</a:t>
+            </a:r>
+          </a:p>
+        </p:txBody>
+      </p:sp>
+      <p:pic>
+        <p:nvPicPr>
+          <p:cNvPr id="1026" name="Picture 2" descr="Infographics - Agentur für Erneuerbare Energien">
+            <a:extLst>
+              <a:ext uri="{FF2B5EF4-FFF2-40B4-BE49-F238E27FC236}">
+                <a16:creationId xmlns:a16="http://schemas.microsoft.com/office/drawing/2014/main" id="{70E56FDE-4E3E-2088-C1B8-BD011A0C2E70}"/>
+              </a:ext>
+            </a:extLst>
+          </p:cNvPr>
+          <p:cNvPicPr>
+            <a:picLocks noChangeAspect="1" noChangeArrowheads="1"/>
+          </p:cNvPicPr>
+          <p:nvPr/>
+        </p:nvPicPr>
+        <p:blipFill>
+          <a:blip r:embed="rId2">
+            <a:extLst>
+              <a:ext uri="{28A0092B-C50C-407E-A947-70E740481C1C}">
+                <a14:useLocalDpi xmlns:a14="http://schemas.microsoft.com/office/drawing/2010/main" val="0"/>
+              </a:ext>
+            </a:extLst>
+          </a:blip>
+          <a:srcRect/>
+          <a:stretch>
+            <a:fillRect/>
+          </a:stretch>
+        </p:blipFill>
+        <p:spPr bwMode="auto">
+          <a:xfrm>
+            <a:off x="6736398" y="2712672"/>
+            <a:ext cx="5303201" cy="3980856"/>
+          </a:xfrm>
+          <a:prstGeom prst="rect">
+            <a:avLst/>
+          </a:prstGeom>
+          <a:noFill/>
+          <a:extLst>
+            <a:ext uri="{909E8E84-426E-40DD-AFC4-6F175D3DCCD1}">
+              <a14:hiddenFill xmlns:a14="http://schemas.microsoft.com/office/drawing/2010/main">
+                <a:solidFill>
+                  <a:srgbClr val="FFFFFF"/>
+                </a:solidFill>
+              </a14:hiddenFill>
+            </a:ext>
+          </a:extLst>
+        </p:spPr>
+      </p:pic>
+      <p:pic>
+        <p:nvPicPr>
+          <p:cNvPr id="1028" name="Picture 4" descr="Power generation, Germany - ENS">
+            <a:extLst>
+              <a:ext uri="{FF2B5EF4-FFF2-40B4-BE49-F238E27FC236}">
+                <a16:creationId xmlns:a16="http://schemas.microsoft.com/office/drawing/2014/main" id="{F55B1DA6-B08E-06C1-68D5-5565ED6BE1E8}"/>
+              </a:ext>
+            </a:extLst>
+          </p:cNvPr>
+          <p:cNvPicPr>
+            <a:picLocks noChangeAspect="1" noChangeArrowheads="1"/>
+          </p:cNvPicPr>
+          <p:nvPr/>
+        </p:nvPicPr>
+        <p:blipFill>
+          <a:blip r:embed="rId3">
+            <a:extLst>
+              <a:ext uri="{28A0092B-C50C-407E-A947-70E740481C1C}">
+                <a14:useLocalDpi xmlns:a14="http://schemas.microsoft.com/office/drawing/2010/main" val="0"/>
+              </a:ext>
+            </a:extLst>
+          </a:blip>
+          <a:srcRect/>
+          <a:stretch>
+            <a:fillRect/>
+          </a:stretch>
+        </p:blipFill>
+        <p:spPr bwMode="auto">
+          <a:xfrm>
+            <a:off x="233681" y="986536"/>
+            <a:ext cx="5405120" cy="3716564"/>
+          </a:xfrm>
+          <a:prstGeom prst="rect">
+            <a:avLst/>
+          </a:prstGeom>
+          <a:noFill/>
+          <a:extLst>
+            <a:ext uri="{909E8E84-426E-40DD-AFC4-6F175D3DCCD1}">
+              <a14:hiddenFill xmlns:a14="http://schemas.microsoft.com/office/drawing/2010/main">
+                <a:solidFill>
+                  <a:srgbClr val="FFFFFF"/>
+                </a:solidFill>
+              </a14:hiddenFill>
+            </a:ext>
+          </a:extLst>
+        </p:spPr>
+      </p:pic>
+      <p:cxnSp>
+        <p:nvCxnSpPr>
+          <p:cNvPr id="10" name="Connector: Elbow 9">
+            <a:extLst>
+              <a:ext uri="{FF2B5EF4-FFF2-40B4-BE49-F238E27FC236}">
+                <a16:creationId xmlns:a16="http://schemas.microsoft.com/office/drawing/2014/main" id="{D55F6776-E777-B06B-E9C7-BB6634EBA16C}"/>
+              </a:ext>
+            </a:extLst>
+          </p:cNvPr>
+          <p:cNvCxnSpPr>
+            <a:endCxn id="1026" idx="0"/>
+          </p:cNvCxnSpPr>
+          <p:nvPr/>
+        </p:nvCxnSpPr>
+        <p:spPr>
+          <a:xfrm flipV="1">
+            <a:off x="5648960" y="2712672"/>
+            <a:ext cx="3739039" cy="142288"/>
+          </a:xfrm>
+          <a:prstGeom prst="bentConnector4">
+            <a:avLst>
+              <a:gd name="adj1" fmla="val 14542"/>
+              <a:gd name="adj2" fmla="val 489154"/>
+            </a:avLst>
+          </a:prstGeom>
+          <a:ln w="38100">
+            <a:solidFill>
+              <a:schemeClr val="bg2"/>
+            </a:solidFill>
+            <a:tailEnd type="triangle"/>
+          </a:ln>
+        </p:spPr>
+        <p:style>
+          <a:lnRef idx="1">
+            <a:schemeClr val="accent1"/>
+          </a:lnRef>
+          <a:fillRef idx="0">
+            <a:schemeClr val="accent1"/>
+          </a:fillRef>
+          <a:effectRef idx="0">
+            <a:schemeClr val="accent1"/>
+          </a:effectRef>
+          <a:fontRef idx="minor">
+            <a:schemeClr val="tx1"/>
+          </a:fontRef>
+        </p:style>
+      </p:cxnSp>
+    </p:spTree>
+    <p:extLst>
+      <p:ext uri="{BB962C8B-B14F-4D97-AF65-F5344CB8AC3E}">
+        <p14:creationId xmlns:p14="http://schemas.microsoft.com/office/powerpoint/2010/main" val="688771073"/>
+      </p:ext>
+    </p:extLst>
+  </p:cSld>
+  <p:clrMapOvr>
+    <a:masterClrMapping/>
+  </p:clrMapOvr>
+</p:sld>
+</file>
+
+<file path=ppt/slides/slide4.xml><?xml version="1.0" encoding="utf-8"?>
+<p:sld xmlns:a="http://schemas.openxmlformats.org/drawingml/2006/main" xmlns:r="http://schemas.openxmlformats.org/officeDocument/2006/relationships" xmlns:p="http://schemas.openxmlformats.org/presentationml/2006/main">
+  <p:cSld>
+    <p:spTree>
+      <p:nvGrpSpPr>
+        <p:cNvPr id="1" name="">
+          <a:extLst>
+            <a:ext uri="{FF2B5EF4-FFF2-40B4-BE49-F238E27FC236}">
+              <a16:creationId xmlns:a16="http://schemas.microsoft.com/office/drawing/2014/main" id="{A6658261-7AD7-4610-DC85-FF466FE4A32B}"/>
+            </a:ext>
+          </a:extLst>
+        </p:cNvPr>
+        <p:cNvGrpSpPr/>
+        <p:nvPr/>
+      </p:nvGrpSpPr>
+      <p:grpSpPr>
+        <a:xfrm>
+          <a:off x="0" y="0"/>
+          <a:ext cx="0" cy="0"/>
+          <a:chOff x="0" y="0"/>
+          <a:chExt cx="0" cy="0"/>
+        </a:xfrm>
+      </p:grpSpPr>
+      <p:pic>
+        <p:nvPicPr>
+          <p:cNvPr id="16" name="Picture 15" descr="c &amp; i bess">
+            <a:extLst>
+              <a:ext uri="{FF2B5EF4-FFF2-40B4-BE49-F238E27FC236}">
+                <a16:creationId xmlns:a16="http://schemas.microsoft.com/office/drawing/2014/main" id="{812B864A-F389-EAF2-4B41-CCD6B6BA371C}"/>
               </a:ext>
             </a:extLst>
           </p:cNvPr>
@@ -3816,8 +4711,8 @@
         </p:blipFill>
         <p:spPr bwMode="auto">
           <a:xfrm>
-            <a:off x="325120" y="1329740"/>
-            <a:ext cx="7371395" cy="3862020"/>
+            <a:off x="518929" y="1206160"/>
+            <a:ext cx="6744555" cy="3533606"/>
           </a:xfrm>
           <a:prstGeom prst="rect">
             <a:avLst/>
@@ -3830,10 +4725,134 @@
       </p:pic>
       <p:sp>
         <p:nvSpPr>
-          <p:cNvPr id="8" name="TextBox 7">
+          <p:cNvPr id="4" name="Rectangle 3">
             <a:extLst>
               <a:ext uri="{FF2B5EF4-FFF2-40B4-BE49-F238E27FC236}">
-                <a16:creationId xmlns:a16="http://schemas.microsoft.com/office/drawing/2014/main" id="{8653A436-09C4-58C5-D9A6-F7B5BC9580DC}"/>
+                <a16:creationId xmlns:a16="http://schemas.microsoft.com/office/drawing/2014/main" id="{3D1C4491-11F5-0566-4B4A-182D5B107D0C}"/>
+              </a:ext>
+            </a:extLst>
+          </p:cNvPr>
+          <p:cNvSpPr/>
+          <p:nvPr/>
+        </p:nvSpPr>
+        <p:spPr>
+          <a:xfrm>
+            <a:off x="0" y="0"/>
+            <a:ext cx="12192000" cy="6858000"/>
+          </a:xfrm>
+          <a:prstGeom prst="rect">
+            <a:avLst/>
+          </a:prstGeom>
+          <a:solidFill>
+            <a:srgbClr val="121212"/>
+          </a:solidFill>
+          <a:ln>
+            <a:solidFill>
+              <a:schemeClr val="tx1"/>
+            </a:solidFill>
+          </a:ln>
+          <a:effectLst>
+            <a:innerShdw blurRad="114300">
+              <a:prstClr val="black"/>
+            </a:innerShdw>
+          </a:effectLst>
+          <a:scene3d>
+            <a:camera prst="orthographicFront"/>
+            <a:lightRig rig="threePt" dir="t"/>
+          </a:scene3d>
+          <a:sp3d>
+            <a:bevelT w="139700" h="139700" prst="divot"/>
+          </a:sp3d>
+        </p:spPr>
+        <p:style>
+          <a:lnRef idx="2">
+            <a:schemeClr val="accent1">
+              <a:shade val="15000"/>
+            </a:schemeClr>
+          </a:lnRef>
+          <a:fillRef idx="1">
+            <a:schemeClr val="accent1"/>
+          </a:fillRef>
+          <a:effectRef idx="0">
+            <a:schemeClr val="accent1"/>
+          </a:effectRef>
+          <a:fontRef idx="minor">
+            <a:schemeClr val="lt1"/>
+          </a:fontRef>
+        </p:style>
+        <p:txBody>
+          <a:bodyPr rtlCol="0" anchor="ctr"/>
+          <a:lstStyle/>
+          <a:p>
+            <a:pPr algn="ctr"/>
+            <a:endParaRPr lang="en-US"/>
+          </a:p>
+        </p:txBody>
+      </p:sp>
+      <p:sp>
+        <p:nvSpPr>
+          <p:cNvPr id="6" name="Title 1">
+            <a:extLst>
+              <a:ext uri="{FF2B5EF4-FFF2-40B4-BE49-F238E27FC236}">
+                <a16:creationId xmlns:a16="http://schemas.microsoft.com/office/drawing/2014/main" id="{93999570-6391-9DBD-C5CE-55D1DD7752BD}"/>
+              </a:ext>
+            </a:extLst>
+          </p:cNvPr>
+          <p:cNvSpPr txBox="1">
+            <a:spLocks/>
+          </p:cNvSpPr>
+          <p:nvPr/>
+        </p:nvSpPr>
+        <p:spPr>
+          <a:xfrm>
+            <a:off x="325120" y="164472"/>
+            <a:ext cx="9509760" cy="877216"/>
+          </a:xfrm>
+          <a:prstGeom prst="rect">
+            <a:avLst/>
+          </a:prstGeom>
+        </p:spPr>
+        <p:txBody>
+          <a:bodyPr>
+            <a:normAutofit fontScale="92500"/>
+          </a:bodyPr>
+          <a:lstStyle>
+            <a:lvl1pPr algn="l" defTabSz="914400" rtl="0" eaLnBrk="1" latinLnBrk="0" hangingPunct="1">
+              <a:lnSpc>
+                <a:spcPct val="90000"/>
+              </a:lnSpc>
+              <a:spcBef>
+                <a:spcPct val="0"/>
+              </a:spcBef>
+              <a:buNone/>
+              <a:defRPr sz="4400" kern="1200">
+                <a:solidFill>
+                  <a:schemeClr val="accent1"/>
+                </a:solidFill>
+                <a:latin typeface="+mj-lt"/>
+                <a:ea typeface="+mj-ea"/>
+                <a:cs typeface="+mj-cs"/>
+              </a:defRPr>
+            </a:lvl1pPr>
+          </a:lstStyle>
+          <a:p>
+            <a:r>
+              <a:rPr lang="en-US" sz="6000" b="1" dirty="0">
+                <a:solidFill>
+                  <a:schemeClr val="bg1"/>
+                </a:solidFill>
+              </a:rPr>
+              <a:t>It must be closely monitored</a:t>
+            </a:r>
+          </a:p>
+        </p:txBody>
+      </p:sp>
+      <p:sp>
+        <p:nvSpPr>
+          <p:cNvPr id="12" name="TextBox 11">
+            <a:extLst>
+              <a:ext uri="{FF2B5EF4-FFF2-40B4-BE49-F238E27FC236}">
+                <a16:creationId xmlns:a16="http://schemas.microsoft.com/office/drawing/2014/main" id="{A0D98849-95C0-2388-530B-841A088B5CA4}"/>
               </a:ext>
             </a:extLst>
           </p:cNvPr>
@@ -3842,8 +4861,8 @@
         </p:nvSpPr>
         <p:spPr>
           <a:xfrm>
-            <a:off x="7696514" y="1329740"/>
-            <a:ext cx="4170366" cy="3970318"/>
+            <a:off x="7637095" y="1035664"/>
+            <a:ext cx="4419600" cy="3970318"/>
           </a:xfrm>
           <a:prstGeom prst="rect">
             <a:avLst/>
@@ -3856,27 +4875,17 @@
           </a:bodyPr>
           <a:lstStyle/>
           <a:p>
-            <a:pPr>
-              <a:buNone/>
-            </a:pPr>
-            <a:r>
-              <a:rPr lang="en-US" b="1" dirty="0"/>
-              <a:t>Requirements:</a:t>
-            </a:r>
-            <a:endParaRPr lang="en-US" dirty="0"/>
-          </a:p>
-          <a:p>
             <a:pPr marL="285750" indent="-285750">
               <a:buFont typeface="Arial" panose="020B0604020202020204" pitchFamily="34" charset="0"/>
               <a:buChar char="•"/>
             </a:pPr>
             <a:r>
-              <a:rPr lang="en-US" dirty="0"/>
-              <a:t>Accept and process </a:t>
-            </a:r>
-            <a:r>
-              <a:rPr lang="en-US" b="1" dirty="0"/>
-              <a:t>real-time and historical BESS data</a:t>
+              <a:rPr lang="en-US" dirty="0">
+                <a:solidFill>
+                  <a:schemeClr val="bg1"/>
+                </a:solidFill>
+              </a:rPr>
+              <a:t>Fires related to batteries withing BESS grid architecture have occurred several times over the years</a:t>
             </a:r>
           </a:p>
           <a:p>
@@ -3884,7 +4893,11 @@
               <a:buFont typeface="Arial" panose="020B0604020202020204" pitchFamily="34" charset="0"/>
               <a:buChar char="•"/>
             </a:pPr>
-            <a:endParaRPr lang="en-US" dirty="0"/>
+            <a:endParaRPr lang="en-US" dirty="0">
+              <a:solidFill>
+                <a:schemeClr val="bg1"/>
+              </a:solidFill>
+            </a:endParaRPr>
           </a:p>
           <a:p>
             <a:pPr marL="285750" indent="-285750">
@@ -3892,16 +4905,12 @@
               <a:buChar char="•"/>
             </a:pPr>
             <a:r>
-              <a:rPr lang="en-US" dirty="0"/>
-              <a:t>Display </a:t>
-            </a:r>
-            <a:r>
-              <a:rPr lang="en-US" b="1" dirty="0"/>
-              <a:t>actionable insights</a:t>
-            </a:r>
-            <a:r>
-              <a:rPr lang="en-US" dirty="0"/>
-              <a:t> for technical asset managers</a:t>
+              <a:rPr lang="en-US" dirty="0">
+                <a:solidFill>
+                  <a:schemeClr val="bg1"/>
+                </a:solidFill>
+              </a:rPr>
+              <a:t>Fortunately, no casualties have been recorded but damages ranged between 500.000 to 700.000 euros.</a:t>
             </a:r>
           </a:p>
           <a:p>
@@ -3909,7 +4918,11 @@
               <a:buFont typeface="Arial" panose="020B0604020202020204" pitchFamily="34" charset="0"/>
               <a:buChar char="•"/>
             </a:pPr>
-            <a:endParaRPr lang="en-US" dirty="0"/>
+            <a:endParaRPr lang="en-US" dirty="0">
+              <a:solidFill>
+                <a:schemeClr val="bg1"/>
+              </a:solidFill>
+            </a:endParaRPr>
           </a:p>
           <a:p>
             <a:pPr marL="285750" indent="-285750">
@@ -3917,16 +4930,28 @@
               <a:buChar char="•"/>
             </a:pPr>
             <a:r>
-              <a:rPr lang="en-US" dirty="0"/>
-              <a:t>Be </a:t>
-            </a:r>
-            <a:r>
-              <a:rPr lang="en-US" b="1" dirty="0"/>
-              <a:t>extensible</a:t>
-            </a:r>
-            <a:r>
-              <a:rPr lang="en-US" dirty="0"/>
-              <a:t> for third parties (optimizers, grid operators)</a:t>
+              <a:rPr lang="en-US" dirty="0">
+                <a:solidFill>
+                  <a:schemeClr val="bg1"/>
+                </a:solidFill>
+              </a:rPr>
+              <a:t>Examples constitute Liverpool 2020, Essex 2025 or </a:t>
+            </a:r>
+            <a:r>
+              <a:rPr lang="en-US" dirty="0" err="1">
+                <a:solidFill>
+                  <a:schemeClr val="bg1"/>
+                </a:solidFill>
+              </a:rPr>
+              <a:t>Neermor</a:t>
+            </a:r>
+            <a:r>
+              <a:rPr lang="en-US" dirty="0">
+                <a:solidFill>
+                  <a:schemeClr val="bg1"/>
+                </a:solidFill>
+              </a:rPr>
+              <a:t> 2024</a:t>
             </a:r>
           </a:p>
           <a:p>
@@ -3934,7 +4959,11 @@
               <a:buFont typeface="Arial" panose="020B0604020202020204" pitchFamily="34" charset="0"/>
               <a:buChar char="•"/>
             </a:pPr>
-            <a:endParaRPr lang="en-US" dirty="0"/>
+            <a:endParaRPr lang="en-US" dirty="0">
+              <a:solidFill>
+                <a:schemeClr val="bg1"/>
+              </a:solidFill>
+            </a:endParaRPr>
           </a:p>
           <a:p>
             <a:pPr marL="285750" indent="-285750">
@@ -3942,16 +4971,12 @@
               <a:buChar char="•"/>
             </a:pPr>
             <a:r>
-              <a:rPr lang="en-US" dirty="0"/>
-              <a:t>Include </a:t>
-            </a:r>
-            <a:r>
-              <a:rPr lang="en-US" b="1" dirty="0"/>
-              <a:t>at least one innovative feature</a:t>
-            </a:r>
-            <a:r>
-              <a:rPr lang="en-US" dirty="0"/>
-              <a:t> beyond generic dashboards</a:t>
+              <a:rPr lang="en-US" dirty="0">
+                <a:solidFill>
+                  <a:schemeClr val="bg1"/>
+                </a:solidFill>
+              </a:rPr>
+              <a:t>It has been reported the batteries are vulnerable to fire and high temperatures </a:t>
             </a:r>
           </a:p>
           <a:p>
@@ -3959,28 +4984,93 @@
               <a:buFont typeface="Arial" panose="020B0604020202020204" pitchFamily="34" charset="0"/>
               <a:buChar char="•"/>
             </a:pPr>
-            <a:endParaRPr lang="en-US" dirty="0"/>
-          </a:p>
-          <a:p>
-            <a:pPr marL="285750" indent="-285750">
-              <a:buFont typeface="Arial" panose="020B0604020202020204" pitchFamily="34" charset="0"/>
-              <a:buChar char="•"/>
-            </a:pPr>
-            <a:r>
-              <a:rPr lang="en-US" b="1" dirty="0"/>
-              <a:t>EU compliant </a:t>
-            </a:r>
-            <a:r>
-              <a:rPr lang="en-US" dirty="0"/>
-              <a:t>sensors and controllers</a:t>
-            </a:r>
-          </a:p>
-        </p:txBody>
-      </p:sp>
+            <a:endParaRPr lang="en-US" b="1" dirty="0">
+              <a:solidFill>
+                <a:schemeClr val="bg1"/>
+              </a:solidFill>
+            </a:endParaRPr>
+          </a:p>
+        </p:txBody>
+      </p:sp>
+      <p:sp>
+        <p:nvSpPr>
+          <p:cNvPr id="13" name="AutoShape 10" descr="Getty Images A raging fire burns at Vistra Corp's Moss Landing battery storage facility in Moss Landing, California, on 17 January">
+            <a:extLst>
+              <a:ext uri="{FF2B5EF4-FFF2-40B4-BE49-F238E27FC236}">
+                <a16:creationId xmlns:a16="http://schemas.microsoft.com/office/drawing/2014/main" id="{0B4BCEF9-5FA6-0ECF-875F-E64592FE0415}"/>
+              </a:ext>
+            </a:extLst>
+          </p:cNvPr>
+          <p:cNvSpPr>
+            <a:spLocks noChangeAspect="1" noChangeArrowheads="1"/>
+          </p:cNvSpPr>
+          <p:nvPr/>
+        </p:nvSpPr>
+        <p:spPr bwMode="auto">
+          <a:xfrm>
+            <a:off x="5943600" y="3276600"/>
+            <a:ext cx="304800" cy="304800"/>
+          </a:xfrm>
+          <a:prstGeom prst="rect">
+            <a:avLst/>
+          </a:prstGeom>
+          <a:noFill/>
+          <a:extLst>
+            <a:ext uri="{909E8E84-426E-40DD-AFC4-6F175D3DCCD1}">
+              <a14:hiddenFill xmlns:a14="http://schemas.microsoft.com/office/drawing/2010/main">
+                <a:solidFill>
+                  <a:srgbClr val="FFFFFF"/>
+                </a:solidFill>
+              </a14:hiddenFill>
+            </a:ext>
+          </a:extLst>
+        </p:spPr>
+        <p:txBody>
+          <a:bodyPr vert="horz" wrap="square" lIns="91440" tIns="45720" rIns="91440" bIns="45720" numCol="1" anchor="t" anchorCtr="0" compatLnSpc="1">
+            <a:prstTxWarp prst="textNoShape">
+              <a:avLst/>
+            </a:prstTxWarp>
+          </a:bodyPr>
+          <a:lstStyle/>
+          <a:p>
+            <a:endParaRPr lang="en-US"/>
+          </a:p>
+        </p:txBody>
+      </p:sp>
+      <p:pic>
+        <p:nvPicPr>
+          <p:cNvPr id="15" name="Picture 14">
+            <a:extLst>
+              <a:ext uri="{FF2B5EF4-FFF2-40B4-BE49-F238E27FC236}">
+                <a16:creationId xmlns:a16="http://schemas.microsoft.com/office/drawing/2014/main" id="{8230E195-AB08-2690-F358-5360F683CB71}"/>
+              </a:ext>
+            </a:extLst>
+          </p:cNvPr>
+          <p:cNvPicPr>
+            <a:picLocks noChangeAspect="1"/>
+          </p:cNvPicPr>
+          <p:nvPr/>
+        </p:nvPicPr>
+        <p:blipFill>
+          <a:blip r:embed="rId3"/>
+          <a:stretch>
+            <a:fillRect/>
+          </a:stretch>
+        </p:blipFill>
+        <p:spPr>
+          <a:xfrm>
+            <a:off x="325120" y="1035664"/>
+            <a:ext cx="7311975" cy="4115456"/>
+          </a:xfrm>
+          <a:prstGeom prst="rect">
+            <a:avLst/>
+          </a:prstGeom>
+        </p:spPr>
+      </p:pic>
     </p:spTree>
     <p:extLst>
       <p:ext uri="{BB962C8B-B14F-4D97-AF65-F5344CB8AC3E}">
-        <p14:creationId xmlns:p14="http://schemas.microsoft.com/office/powerpoint/2010/main" val="4098624181"/>
+        <p14:creationId xmlns:p14="http://schemas.microsoft.com/office/powerpoint/2010/main" val="863395814"/>
       </p:ext>
     </p:extLst>
   </p:cSld>
@@ -3990,7 +5080,204 @@
 </p:sld>
 </file>
 
-<file path=ppt/slides/slide3.xml><?xml version="1.0" encoding="utf-8"?>
+<file path=ppt/slides/slide5.xml><?xml version="1.0" encoding="utf-8"?>
+<p:sld xmlns:a="http://schemas.openxmlformats.org/drawingml/2006/main" xmlns:r="http://schemas.openxmlformats.org/officeDocument/2006/relationships" xmlns:p="http://schemas.openxmlformats.org/presentationml/2006/main">
+  <p:cSld>
+    <p:spTree>
+      <p:nvGrpSpPr>
+        <p:cNvPr id="1" name="">
+          <a:extLst>
+            <a:ext uri="{FF2B5EF4-FFF2-40B4-BE49-F238E27FC236}">
+              <a16:creationId xmlns:a16="http://schemas.microsoft.com/office/drawing/2014/main" id="{3AE4443E-ED24-92CA-400B-C712638B866E}"/>
+            </a:ext>
+          </a:extLst>
+        </p:cNvPr>
+        <p:cNvGrpSpPr/>
+        <p:nvPr/>
+      </p:nvGrpSpPr>
+      <p:grpSpPr>
+        <a:xfrm>
+          <a:off x="0" y="0"/>
+          <a:ext cx="0" cy="0"/>
+          <a:chOff x="0" y="0"/>
+          <a:chExt cx="0" cy="0"/>
+        </a:xfrm>
+      </p:grpSpPr>
+      <p:sp>
+        <p:nvSpPr>
+          <p:cNvPr id="4" name="Rectangle 3">
+            <a:extLst>
+              <a:ext uri="{FF2B5EF4-FFF2-40B4-BE49-F238E27FC236}">
+                <a16:creationId xmlns:a16="http://schemas.microsoft.com/office/drawing/2014/main" id="{F9FB7F98-4A24-2B37-86E5-0E1A7ED67631}"/>
+              </a:ext>
+            </a:extLst>
+          </p:cNvPr>
+          <p:cNvSpPr/>
+          <p:nvPr/>
+        </p:nvSpPr>
+        <p:spPr>
+          <a:xfrm>
+            <a:off x="0" y="0"/>
+            <a:ext cx="12192000" cy="6858000"/>
+          </a:xfrm>
+          <a:prstGeom prst="rect">
+            <a:avLst/>
+          </a:prstGeom>
+          <a:solidFill>
+            <a:srgbClr val="121212"/>
+          </a:solidFill>
+          <a:ln>
+            <a:noFill/>
+          </a:ln>
+          <a:effectLst>
+            <a:innerShdw blurRad="114300">
+              <a:prstClr val="black"/>
+            </a:innerShdw>
+          </a:effectLst>
+          <a:scene3d>
+            <a:camera prst="orthographicFront"/>
+            <a:lightRig rig="threePt" dir="t"/>
+          </a:scene3d>
+          <a:sp3d>
+            <a:bevelT w="139700" h="139700" prst="divot"/>
+          </a:sp3d>
+        </p:spPr>
+        <p:style>
+          <a:lnRef idx="2">
+            <a:schemeClr val="accent1">
+              <a:shade val="15000"/>
+            </a:schemeClr>
+          </a:lnRef>
+          <a:fillRef idx="1">
+            <a:schemeClr val="accent1"/>
+          </a:fillRef>
+          <a:effectRef idx="0">
+            <a:schemeClr val="accent1"/>
+          </a:effectRef>
+          <a:fontRef idx="minor">
+            <a:schemeClr val="lt1"/>
+          </a:fontRef>
+        </p:style>
+        <p:txBody>
+          <a:bodyPr rtlCol="0" anchor="ctr"/>
+          <a:lstStyle/>
+          <a:p>
+            <a:pPr algn="ctr"/>
+            <a:endParaRPr lang="en-US" dirty="0"/>
+          </a:p>
+        </p:txBody>
+      </p:sp>
+      <p:sp>
+        <p:nvSpPr>
+          <p:cNvPr id="6" name="Title 1">
+            <a:extLst>
+              <a:ext uri="{FF2B5EF4-FFF2-40B4-BE49-F238E27FC236}">
+                <a16:creationId xmlns:a16="http://schemas.microsoft.com/office/drawing/2014/main" id="{EE979ABC-8D91-3DE4-5CC3-1115655BFAC1}"/>
+              </a:ext>
+            </a:extLst>
+          </p:cNvPr>
+          <p:cNvSpPr txBox="1">
+            <a:spLocks/>
+          </p:cNvSpPr>
+          <p:nvPr/>
+        </p:nvSpPr>
+        <p:spPr>
+          <a:xfrm>
+            <a:off x="325120" y="164472"/>
+            <a:ext cx="7203440" cy="877216"/>
+          </a:xfrm>
+          <a:prstGeom prst="rect">
+            <a:avLst/>
+          </a:prstGeom>
+        </p:spPr>
+        <p:txBody>
+          <a:bodyPr>
+            <a:normAutofit/>
+          </a:bodyPr>
+          <a:lstStyle>
+            <a:lvl1pPr algn="l" defTabSz="914400" rtl="0" eaLnBrk="1" latinLnBrk="0" hangingPunct="1">
+              <a:lnSpc>
+                <a:spcPct val="90000"/>
+              </a:lnSpc>
+              <a:spcBef>
+                <a:spcPct val="0"/>
+              </a:spcBef>
+              <a:buNone/>
+              <a:defRPr sz="4400" kern="1200">
+                <a:solidFill>
+                  <a:schemeClr val="accent1"/>
+                </a:solidFill>
+                <a:latin typeface="+mj-lt"/>
+                <a:ea typeface="+mj-ea"/>
+                <a:cs typeface="+mj-cs"/>
+              </a:defRPr>
+            </a:lvl1pPr>
+          </a:lstStyle>
+          <a:p>
+            <a:r>
+              <a:rPr lang="en-US" sz="4000" b="1" dirty="0">
+                <a:solidFill>
+                  <a:schemeClr val="bg1"/>
+                </a:solidFill>
+              </a:rPr>
+              <a:t>Demo architectural workflow</a:t>
+            </a:r>
+          </a:p>
+        </p:txBody>
+      </p:sp>
+      <p:pic>
+        <p:nvPicPr>
+          <p:cNvPr id="7" name="Picture 6" descr="A computer screen shot of a diagram&#10;&#10;AI-generated content may be incorrect.">
+            <a:extLst>
+              <a:ext uri="{FF2B5EF4-FFF2-40B4-BE49-F238E27FC236}">
+                <a16:creationId xmlns:a16="http://schemas.microsoft.com/office/drawing/2014/main" id="{495C08A1-308F-8F42-21B7-895BDDB36313}"/>
+              </a:ext>
+            </a:extLst>
+          </p:cNvPr>
+          <p:cNvPicPr>
+            <a:picLocks noChangeAspect="1"/>
+          </p:cNvPicPr>
+          <p:nvPr/>
+        </p:nvPicPr>
+        <p:blipFill>
+          <a:blip r:embed="rId2">
+            <a:extLst>
+              <a:ext uri="{28A0092B-C50C-407E-A947-70E740481C1C}">
+                <a14:useLocalDpi xmlns:a14="http://schemas.microsoft.com/office/drawing/2010/main" val="0"/>
+              </a:ext>
+            </a:extLst>
+          </a:blip>
+          <a:stretch>
+            <a:fillRect/>
+          </a:stretch>
+        </p:blipFill>
+        <p:spPr>
+          <a:xfrm>
+            <a:off x="1757680" y="726489"/>
+            <a:ext cx="8514080" cy="5967039"/>
+          </a:xfrm>
+          <a:prstGeom prst="rect">
+            <a:avLst/>
+          </a:prstGeom>
+          <a:solidFill>
+            <a:srgbClr val="121212"/>
+          </a:solidFill>
+        </p:spPr>
+      </p:pic>
+    </p:spTree>
+    <p:extLst>
+      <p:ext uri="{BB962C8B-B14F-4D97-AF65-F5344CB8AC3E}">
+        <p14:creationId xmlns:p14="http://schemas.microsoft.com/office/powerpoint/2010/main" val="3782702752"/>
+      </p:ext>
+    </p:extLst>
+  </p:cSld>
+  <p:clrMapOvr>
+    <a:masterClrMapping/>
+  </p:clrMapOvr>
+</p:sld>
+</file>
+
+<file path=ppt/slides/slide6.xml><?xml version="1.0" encoding="utf-8"?>
 <p:sld xmlns:a="http://schemas.openxmlformats.org/drawingml/2006/main" xmlns:r="http://schemas.openxmlformats.org/officeDocument/2006/relationships" xmlns:p="http://schemas.openxmlformats.org/presentationml/2006/main">
   <p:cSld>
     <p:spTree>
@@ -4033,30 +5320,9 @@
           <a:prstGeom prst="rect">
             <a:avLst/>
           </a:prstGeom>
-          <a:gradFill flip="none" rotWithShape="1">
-            <a:gsLst>
-              <a:gs pos="0">
-                <a:srgbClr val="BFEEC3">
-                  <a:shade val="30000"/>
-                  <a:satMod val="115000"/>
-                </a:srgbClr>
-              </a:gs>
-              <a:gs pos="50000">
-                <a:srgbClr val="BFEEC3">
-                  <a:shade val="67500"/>
-                  <a:satMod val="115000"/>
-                </a:srgbClr>
-              </a:gs>
-              <a:gs pos="100000">
-                <a:srgbClr val="BFEEC3">
-                  <a:shade val="100000"/>
-                  <a:satMod val="115000"/>
-                </a:srgbClr>
-              </a:gs>
-            </a:gsLst>
-            <a:lin ang="18900000" scaled="1"/>
-            <a:tileRect/>
-          </a:gradFill>
+          <a:solidFill>
+            <a:srgbClr val="121212"/>
+          </a:solidFill>
           <a:ln>
             <a:noFill/>
           </a:ln>
@@ -4148,7 +5414,7 @@
             <a:r>
               <a:rPr lang="en-US" sz="4800" b="1" dirty="0">
                 <a:solidFill>
-                  <a:schemeClr val="tx1"/>
+                  <a:schemeClr val="bg1"/>
                 </a:solidFill>
               </a:rPr>
               <a:t>EDA (Exploratory data analysis)</a:t>
@@ -4218,10 +5484,18 @@
               <a:buNone/>
             </a:pPr>
             <a:r>
-              <a:rPr lang="en-US" b="1" dirty="0"/>
+              <a:rPr lang="en-US" b="1" dirty="0">
+                <a:solidFill>
+                  <a:schemeClr val="bg1"/>
+                </a:solidFill>
+              </a:rPr>
               <a:t>Challenging to analyze</a:t>
             </a:r>
-            <a:endParaRPr lang="en-US" dirty="0"/>
+            <a:endParaRPr lang="en-US" dirty="0">
+              <a:solidFill>
+                <a:schemeClr val="bg1"/>
+              </a:solidFill>
+            </a:endParaRPr>
           </a:p>
         </p:txBody>
       </p:sp>
@@ -4257,10 +5531,18 @@
               <a:buNone/>
             </a:pPr>
             <a:r>
-              <a:rPr lang="en-US" b="1" dirty="0"/>
+              <a:rPr lang="en-US" b="1" dirty="0">
+                <a:solidFill>
+                  <a:schemeClr val="bg1"/>
+                </a:solidFill>
+              </a:rPr>
               <a:t>Details:</a:t>
             </a:r>
-            <a:endParaRPr lang="en-US" dirty="0"/>
+            <a:endParaRPr lang="en-US" dirty="0">
+              <a:solidFill>
+                <a:schemeClr val="bg1"/>
+              </a:solidFill>
+            </a:endParaRPr>
           </a:p>
           <a:p>
             <a:pPr marL="285750" indent="-285750">
@@ -4268,7 +5550,11 @@
               <a:buChar char="•"/>
             </a:pPr>
             <a:r>
-              <a:rPr lang="en-US" dirty="0"/>
+              <a:rPr lang="en-US" dirty="0">
+                <a:solidFill>
+                  <a:schemeClr val="bg1"/>
+                </a:solidFill>
+              </a:rPr>
               <a:t>41 .csv files for each ZHPESS232A23000* directory (Batteries)</a:t>
             </a:r>
           </a:p>
@@ -4277,7 +5563,11 @@
               <a:buFont typeface="Arial" panose="020B0604020202020204" pitchFamily="34" charset="0"/>
               <a:buChar char="•"/>
             </a:pPr>
-            <a:endParaRPr lang="en-US" b="1" dirty="0"/>
+            <a:endParaRPr lang="en-US" b="1" dirty="0">
+              <a:solidFill>
+                <a:schemeClr val="bg1"/>
+              </a:solidFill>
+            </a:endParaRPr>
           </a:p>
           <a:p>
             <a:pPr marL="285750" indent="-285750">
@@ -4285,7 +5575,11 @@
               <a:buChar char="•"/>
             </a:pPr>
             <a:r>
-              <a:rPr lang="en-US" dirty="0"/>
+              <a:rPr lang="en-US" dirty="0">
+                <a:solidFill>
+                  <a:schemeClr val="bg1"/>
+                </a:solidFill>
+              </a:rPr>
               <a:t>5 .csv files for each m* directory (smart meters)</a:t>
             </a:r>
           </a:p>
@@ -4294,7 +5588,11 @@
               <a:buFont typeface="Arial" panose="020B0604020202020204" pitchFamily="34" charset="0"/>
               <a:buChar char="•"/>
             </a:pPr>
-            <a:endParaRPr lang="en-US" dirty="0"/>
+            <a:endParaRPr lang="en-US" dirty="0">
+              <a:solidFill>
+                <a:schemeClr val="bg1"/>
+              </a:solidFill>
+            </a:endParaRPr>
           </a:p>
           <a:p>
             <a:pPr marL="285750" indent="-285750">
@@ -4302,7 +5600,11 @@
               <a:buChar char="•"/>
             </a:pPr>
             <a:r>
-              <a:rPr lang="en-US" dirty="0"/>
+              <a:rPr lang="en-US" dirty="0">
+                <a:solidFill>
+                  <a:schemeClr val="bg1"/>
+                </a:solidFill>
+              </a:rPr>
               <a:t>Each csv file contains only a timestamp and a single metric, corresponding 1 for each sensor</a:t>
             </a:r>
           </a:p>
@@ -4311,7 +5613,11 @@
               <a:buFont typeface="Arial" panose="020B0604020202020204" pitchFamily="34" charset="0"/>
               <a:buChar char="•"/>
             </a:pPr>
-            <a:endParaRPr lang="en-US" dirty="0"/>
+            <a:endParaRPr lang="en-US" dirty="0">
+              <a:solidFill>
+                <a:schemeClr val="bg1"/>
+              </a:solidFill>
+            </a:endParaRPr>
           </a:p>
           <a:p>
             <a:pPr marL="285750" indent="-285750">
@@ -4319,7 +5625,11 @@
               <a:buChar char="•"/>
             </a:pPr>
             <a:r>
-              <a:rPr lang="en-US" dirty="0"/>
+              <a:rPr lang="en-US" dirty="0">
+                <a:solidFill>
+                  <a:schemeClr val="bg1"/>
+                </a:solidFill>
+              </a:rPr>
               <a:t>6GB in total for data between 2023 and 2025</a:t>
             </a:r>
           </a:p>
@@ -4328,7 +5638,11 @@
               <a:buFont typeface="Arial" panose="020B0604020202020204" pitchFamily="34" charset="0"/>
               <a:buChar char="•"/>
             </a:pPr>
-            <a:endParaRPr lang="en-US" dirty="0"/>
+            <a:endParaRPr lang="en-US" dirty="0">
+              <a:solidFill>
+                <a:schemeClr val="bg1"/>
+              </a:solidFill>
+            </a:endParaRPr>
           </a:p>
           <a:p>
             <a:pPr marL="285750" indent="-285750">
@@ -4336,7 +5650,11 @@
               <a:buChar char="•"/>
             </a:pPr>
             <a:r>
-              <a:rPr lang="en-US" dirty="0"/>
+              <a:rPr lang="en-US" dirty="0">
+                <a:solidFill>
+                  <a:schemeClr val="bg1"/>
+                </a:solidFill>
+              </a:rPr>
               <a:t>Many sensors provide data at different frequencies</a:t>
             </a:r>
           </a:p>
@@ -4345,7 +5663,11 @@
               <a:buFont typeface="Arial" panose="020B0604020202020204" pitchFamily="34" charset="0"/>
               <a:buChar char="•"/>
             </a:pPr>
-            <a:endParaRPr lang="en-US" dirty="0"/>
+            <a:endParaRPr lang="en-US" dirty="0">
+              <a:solidFill>
+                <a:schemeClr val="bg1"/>
+              </a:solidFill>
+            </a:endParaRPr>
           </a:p>
           <a:p>
             <a:pPr marL="285750" indent="-285750">
@@ -4353,7 +5675,11 @@
               <a:buChar char="•"/>
             </a:pPr>
             <a:r>
-              <a:rPr lang="en-US" dirty="0"/>
+              <a:rPr lang="en-US" dirty="0">
+                <a:solidFill>
+                  <a:schemeClr val="bg1"/>
+                </a:solidFill>
+              </a:rPr>
               <a:t>Standards and conventions not specified</a:t>
             </a:r>
           </a:p>
@@ -4362,7 +5688,11 @@
               <a:buFont typeface="Arial" panose="020B0604020202020204" pitchFamily="34" charset="0"/>
               <a:buChar char="•"/>
             </a:pPr>
-            <a:endParaRPr lang="en-US" dirty="0"/>
+            <a:endParaRPr lang="en-US" dirty="0">
+              <a:solidFill>
+                <a:schemeClr val="bg1"/>
+              </a:solidFill>
+            </a:endParaRPr>
           </a:p>
           <a:p>
             <a:pPr marL="285750" indent="-285750">
@@ -4370,7 +5700,11 @@
               <a:buChar char="•"/>
             </a:pPr>
             <a:r>
-              <a:rPr lang="en-US" dirty="0"/>
+              <a:rPr lang="en-US" dirty="0">
+                <a:solidFill>
+                  <a:schemeClr val="bg1"/>
+                </a:solidFill>
+              </a:rPr>
               <a:t>Units specified and relevant values specified in README for BMS, PCS, Aux-Thermal, Env-Safety and Smart meters</a:t>
             </a:r>
           </a:p>
@@ -4389,7 +5723,7 @@
 </p:sld>
 </file>
 
-<file path=ppt/slides/slide4.xml><?xml version="1.0" encoding="utf-8"?>
+<file path=ppt/slides/slide7.xml><?xml version="1.0" encoding="utf-8"?>
 <p:sld xmlns:a="http://schemas.openxmlformats.org/drawingml/2006/main" xmlns:r="http://schemas.openxmlformats.org/officeDocument/2006/relationships" xmlns:p="http://schemas.openxmlformats.org/presentationml/2006/main">
   <p:cSld>
     <p:spTree>
@@ -4432,30 +5766,9 @@
           <a:prstGeom prst="rect">
             <a:avLst/>
           </a:prstGeom>
-          <a:gradFill flip="none" rotWithShape="1">
-            <a:gsLst>
-              <a:gs pos="0">
-                <a:srgbClr val="BFEEC3">
-                  <a:shade val="30000"/>
-                  <a:satMod val="115000"/>
-                </a:srgbClr>
-              </a:gs>
-              <a:gs pos="50000">
-                <a:srgbClr val="BFEEC3">
-                  <a:shade val="67500"/>
-                  <a:satMod val="115000"/>
-                </a:srgbClr>
-              </a:gs>
-              <a:gs pos="100000">
-                <a:srgbClr val="BFEEC3">
-                  <a:shade val="100000"/>
-                  <a:satMod val="115000"/>
-                </a:srgbClr>
-              </a:gs>
-            </a:gsLst>
-            <a:lin ang="0" scaled="1"/>
-            <a:tileRect/>
-          </a:gradFill>
+          <a:solidFill>
+            <a:srgbClr val="121212"/>
+          </a:solidFill>
           <a:ln>
             <a:noFill/>
           </a:ln>
@@ -4493,7 +5806,11 @@
           <a:lstStyle/>
           <a:p>
             <a:pPr algn="ctr"/>
-            <a:endParaRPr lang="en-US" dirty="0"/>
+            <a:endParaRPr lang="en-US" dirty="0">
+              <a:solidFill>
+                <a:schemeClr val="bg1"/>
+              </a:solidFill>
+            </a:endParaRPr>
           </a:p>
         </p:txBody>
       </p:sp>
@@ -4547,7 +5864,7 @@
             <a:r>
               <a:rPr lang="en-US" sz="4800" b="1" dirty="0">
                 <a:solidFill>
-                  <a:schemeClr val="tx1"/>
+                  <a:schemeClr val="bg1"/>
                 </a:solidFill>
               </a:rPr>
               <a:t>EDA (Examples)</a:t>
@@ -4628,7 +5945,7 @@
 </p:sld>
 </file>
 
-<file path=ppt/slides/slide5.xml><?xml version="1.0" encoding="utf-8"?>
+<file path=ppt/slides/slide8.xml><?xml version="1.0" encoding="utf-8"?>
 <p:sld xmlns:a="http://schemas.openxmlformats.org/drawingml/2006/main" xmlns:r="http://schemas.openxmlformats.org/officeDocument/2006/relationships" xmlns:p="http://schemas.openxmlformats.org/presentationml/2006/main">
   <p:cSld>
     <p:spTree>
@@ -4671,30 +5988,9 @@
           <a:prstGeom prst="rect">
             <a:avLst/>
           </a:prstGeom>
-          <a:gradFill flip="none" rotWithShape="1">
-            <a:gsLst>
-              <a:gs pos="0">
-                <a:srgbClr val="BFEEC3">
-                  <a:shade val="30000"/>
-                  <a:satMod val="115000"/>
-                </a:srgbClr>
-              </a:gs>
-              <a:gs pos="50000">
-                <a:srgbClr val="BFEEC3">
-                  <a:shade val="67500"/>
-                  <a:satMod val="115000"/>
-                </a:srgbClr>
-              </a:gs>
-              <a:gs pos="100000">
-                <a:srgbClr val="BFEEC3">
-                  <a:shade val="100000"/>
-                  <a:satMod val="115000"/>
-                </a:srgbClr>
-              </a:gs>
-            </a:gsLst>
-            <a:lin ang="5400000" scaled="1"/>
-            <a:tileRect/>
-          </a:gradFill>
+          <a:solidFill>
+            <a:srgbClr val="121212"/>
+          </a:solidFill>
           <a:ln>
             <a:noFill/>
           </a:ln>
@@ -4732,7 +6028,11 @@
           <a:lstStyle/>
           <a:p>
             <a:pPr algn="ctr"/>
-            <a:endParaRPr lang="en-US" dirty="0"/>
+            <a:endParaRPr lang="en-US" dirty="0">
+              <a:solidFill>
+                <a:schemeClr val="bg1"/>
+              </a:solidFill>
+            </a:endParaRPr>
           </a:p>
         </p:txBody>
       </p:sp>
@@ -4758,6 +6058,9 @@
           <a:prstGeom prst="rect">
             <a:avLst/>
           </a:prstGeom>
+          <a:solidFill>
+            <a:srgbClr val="121212"/>
+          </a:solidFill>
         </p:spPr>
         <p:txBody>
           <a:bodyPr>
@@ -4786,7 +6089,7 @@
             <a:r>
               <a:rPr lang="en-US" sz="4000" b="1" dirty="0">
                 <a:solidFill>
-                  <a:schemeClr val="tx1"/>
+                  <a:schemeClr val="bg1"/>
                 </a:solidFill>
               </a:rPr>
               <a:t>Theoretical architectural workflow</a:t>
@@ -4823,11 +6126,14 @@
         <p:spPr>
           <a:xfrm>
             <a:off x="325120" y="659756"/>
-            <a:ext cx="8506364" cy="6198244"/>
+            <a:ext cx="8351520" cy="6085415"/>
           </a:xfrm>
           <a:prstGeom prst="rect">
             <a:avLst/>
           </a:prstGeom>
+          <a:solidFill>
+            <a:srgbClr val="121212"/>
+          </a:solidFill>
         </p:spPr>
       </p:pic>
       <p:sp>
@@ -4844,13 +6150,15 @@
         </p:nvSpPr>
         <p:spPr>
           <a:xfrm>
-            <a:off x="8831484" y="3429000"/>
-            <a:ext cx="4170366" cy="369332"/>
+            <a:off x="7341822" y="5593080"/>
+            <a:ext cx="3319876" cy="369332"/>
           </a:xfrm>
           <a:prstGeom prst="rect">
             <a:avLst/>
           </a:prstGeom>
-          <a:noFill/>
+          <a:solidFill>
+            <a:srgbClr val="121212"/>
+          </a:solidFill>
         </p:spPr>
         <p:txBody>
           <a:bodyPr wrap="square">
@@ -4862,10 +6170,18 @@
               <a:buNone/>
             </a:pPr>
             <a:r>
-              <a:rPr lang="en-US" b="1" dirty="0"/>
+              <a:rPr lang="en-US" b="1" dirty="0">
+                <a:solidFill>
+                  <a:schemeClr val="bg1"/>
+                </a:solidFill>
+              </a:rPr>
               <a:t>Kinda big right?</a:t>
             </a:r>
-            <a:endParaRPr lang="en-US" dirty="0"/>
+            <a:endParaRPr lang="en-US" dirty="0">
+              <a:solidFill>
+                <a:schemeClr val="bg1"/>
+              </a:solidFill>
+            </a:endParaRPr>
           </a:p>
         </p:txBody>
       </p:sp>
@@ -4882,7 +6198,7 @@
 </p:sld>
 </file>
 
-<file path=ppt/slides/slide6.xml><?xml version="1.0" encoding="utf-8"?>
+<file path=ppt/slides/slide9.xml><?xml version="1.0" encoding="utf-8"?>
 <p:sld xmlns:a="http://schemas.openxmlformats.org/drawingml/2006/main" xmlns:r="http://schemas.openxmlformats.org/officeDocument/2006/relationships" xmlns:p="http://schemas.openxmlformats.org/presentationml/2006/main">
   <p:cSld>
     <p:spTree>
@@ -4890,7 +6206,7 @@
         <p:cNvPr id="1" name="">
           <a:extLst>
             <a:ext uri="{FF2B5EF4-FFF2-40B4-BE49-F238E27FC236}">
-              <a16:creationId xmlns:a16="http://schemas.microsoft.com/office/drawing/2014/main" id="{3AE4443E-ED24-92CA-400B-C712638B866E}"/>
+              <a16:creationId xmlns:a16="http://schemas.microsoft.com/office/drawing/2014/main" id="{BDA7A817-362D-6369-CA75-F6C72839D245}"/>
             </a:ext>
           </a:extLst>
         </p:cNvPr>
@@ -4910,7 +6226,7 @@
           <p:cNvPr id="4" name="Rectangle 3">
             <a:extLst>
               <a:ext uri="{FF2B5EF4-FFF2-40B4-BE49-F238E27FC236}">
-                <a16:creationId xmlns:a16="http://schemas.microsoft.com/office/drawing/2014/main" id="{F9FB7F98-4A24-2B37-86E5-0E1A7ED67631}"/>
+                <a16:creationId xmlns:a16="http://schemas.microsoft.com/office/drawing/2014/main" id="{F9AC78AD-9186-B8D7-674C-0855CD243DF5}"/>
               </a:ext>
             </a:extLst>
           </p:cNvPr>
@@ -4925,32 +6241,9 @@
           <a:prstGeom prst="rect">
             <a:avLst/>
           </a:prstGeom>
-          <a:gradFill flip="none" rotWithShape="1">
-            <a:gsLst>
-              <a:gs pos="0">
-                <a:srgbClr val="BFEEC3">
-                  <a:shade val="30000"/>
-                  <a:satMod val="115000"/>
-                </a:srgbClr>
-              </a:gs>
-              <a:gs pos="50000">
-                <a:srgbClr val="BFEEC3">
-                  <a:shade val="67500"/>
-                  <a:satMod val="115000"/>
-                </a:srgbClr>
-              </a:gs>
-              <a:gs pos="100000">
-                <a:srgbClr val="BFEEC3">
-                  <a:shade val="100000"/>
-                  <a:satMod val="115000"/>
-                </a:srgbClr>
-              </a:gs>
-            </a:gsLst>
-            <a:path path="circle">
-              <a:fillToRect l="50000" t="50000" r="50000" b="50000"/>
-            </a:path>
-            <a:tileRect/>
-          </a:gradFill>
+          <a:solidFill>
+            <a:srgbClr val="121212"/>
+          </a:solidFill>
           <a:ln>
             <a:noFill/>
           </a:ln>
@@ -4988,7 +6281,11 @@
           <a:lstStyle/>
           <a:p>
             <a:pPr algn="ctr"/>
-            <a:endParaRPr lang="en-US" dirty="0"/>
+            <a:endParaRPr lang="en-US" dirty="0">
+              <a:solidFill>
+                <a:schemeClr val="bg1"/>
+              </a:solidFill>
+            </a:endParaRPr>
           </a:p>
         </p:txBody>
       </p:sp>
@@ -4997,7 +6294,7 @@
           <p:cNvPr id="6" name="Title 1">
             <a:extLst>
               <a:ext uri="{FF2B5EF4-FFF2-40B4-BE49-F238E27FC236}">
-                <a16:creationId xmlns:a16="http://schemas.microsoft.com/office/drawing/2014/main" id="{EE979ABC-8D91-3DE4-5CC3-1115655BFAC1}"/>
+                <a16:creationId xmlns:a16="http://schemas.microsoft.com/office/drawing/2014/main" id="{CE48FBB5-26F0-32AA-E42E-ECCF69E7B7A9}"/>
               </a:ext>
             </a:extLst>
           </p:cNvPr>
@@ -5014,6 +6311,9 @@
           <a:prstGeom prst="rect">
             <a:avLst/>
           </a:prstGeom>
+          <a:solidFill>
+            <a:srgbClr val="121212"/>
+          </a:solidFill>
         </p:spPr>
         <p:txBody>
           <a:bodyPr>
@@ -5042,20 +6342,140 @@
             <a:r>
               <a:rPr lang="en-US" sz="4000" b="1" dirty="0">
                 <a:solidFill>
-                  <a:schemeClr val="tx1"/>
+                  <a:schemeClr val="bg1"/>
                 </a:solidFill>
               </a:rPr>
-              <a:t>Demo architectural workflow</a:t>
+              <a:t>Possible monetization</a:t>
+            </a:r>
+          </a:p>
+        </p:txBody>
+      </p:sp>
+      <p:sp>
+        <p:nvSpPr>
+          <p:cNvPr id="5" name="TextBox 4">
+            <a:extLst>
+              <a:ext uri="{FF2B5EF4-FFF2-40B4-BE49-F238E27FC236}">
+                <a16:creationId xmlns:a16="http://schemas.microsoft.com/office/drawing/2014/main" id="{A488B53B-8390-8535-306B-B66888119FFD}"/>
+              </a:ext>
+            </a:extLst>
+          </p:cNvPr>
+          <p:cNvSpPr txBox="1"/>
+          <p:nvPr/>
+        </p:nvSpPr>
+        <p:spPr>
+          <a:xfrm>
+            <a:off x="7213600" y="1299144"/>
+            <a:ext cx="3319876" cy="3693319"/>
+          </a:xfrm>
+          <a:prstGeom prst="rect">
+            <a:avLst/>
+          </a:prstGeom>
+          <a:solidFill>
+            <a:srgbClr val="121212"/>
+          </a:solidFill>
+        </p:spPr>
+        <p:txBody>
+          <a:bodyPr wrap="square">
+            <a:spAutoFit/>
+          </a:bodyPr>
+          <a:lstStyle/>
+          <a:p>
+            <a:pPr marL="285750" indent="-285750">
+              <a:buFont typeface="Arial" panose="020B0604020202020204" pitchFamily="34" charset="0"/>
+              <a:buChar char="•"/>
+            </a:pPr>
+            <a:r>
+              <a:rPr lang="en-US" dirty="0">
+                <a:solidFill>
+                  <a:schemeClr val="bg1"/>
+                </a:solidFill>
+              </a:rPr>
+              <a:t>Basic monitoring capabilities offered as a basic plan</a:t>
+            </a:r>
+          </a:p>
+          <a:p>
+            <a:pPr marL="285750" indent="-285750">
+              <a:buFont typeface="Arial" panose="020B0604020202020204" pitchFamily="34" charset="0"/>
+              <a:buChar char="•"/>
+            </a:pPr>
+            <a:endParaRPr lang="en-US" dirty="0">
+              <a:solidFill>
+                <a:schemeClr val="bg1"/>
+              </a:solidFill>
+            </a:endParaRPr>
+          </a:p>
+          <a:p>
+            <a:pPr marL="285750" indent="-285750">
+              <a:buFont typeface="Arial" panose="020B0604020202020204" pitchFamily="34" charset="0"/>
+              <a:buChar char="•"/>
+            </a:pPr>
+            <a:r>
+              <a:rPr lang="en-US" dirty="0">
+                <a:solidFill>
+                  <a:schemeClr val="bg1"/>
+                </a:solidFill>
+              </a:rPr>
+              <a:t>Offer forecast feature as a plug in that implements the trained ML model</a:t>
+            </a:r>
+          </a:p>
+          <a:p>
+            <a:pPr marL="285750" indent="-285750">
+              <a:buFont typeface="Arial" panose="020B0604020202020204" pitchFamily="34" charset="0"/>
+              <a:buChar char="•"/>
+            </a:pPr>
+            <a:endParaRPr lang="en-US" dirty="0">
+              <a:solidFill>
+                <a:schemeClr val="bg1"/>
+              </a:solidFill>
+            </a:endParaRPr>
+          </a:p>
+          <a:p>
+            <a:pPr marL="285750" indent="-285750">
+              <a:buFont typeface="Arial" panose="020B0604020202020204" pitchFamily="34" charset="0"/>
+              <a:buChar char="•"/>
+            </a:pPr>
+            <a:r>
+              <a:rPr lang="en-US" dirty="0">
+                <a:solidFill>
+                  <a:schemeClr val="bg1"/>
+                </a:solidFill>
+              </a:rPr>
+              <a:t>Offer feature for sharing reports and using AI to generated improved reports</a:t>
+            </a:r>
+          </a:p>
+          <a:p>
+            <a:pPr marL="285750" indent="-285750">
+              <a:buFont typeface="Arial" panose="020B0604020202020204" pitchFamily="34" charset="0"/>
+              <a:buChar char="•"/>
+            </a:pPr>
+            <a:endParaRPr lang="en-US" dirty="0">
+              <a:solidFill>
+                <a:schemeClr val="bg1"/>
+              </a:solidFill>
+            </a:endParaRPr>
+          </a:p>
+          <a:p>
+            <a:pPr marL="285750" indent="-285750">
+              <a:buFont typeface="Arial" panose="020B0604020202020204" pitchFamily="34" charset="0"/>
+              <a:buChar char="•"/>
+            </a:pPr>
+            <a:r>
+              <a:rPr lang="en-US" dirty="0">
+                <a:solidFill>
+                  <a:schemeClr val="bg1"/>
+                </a:solidFill>
+              </a:rPr>
+              <a:t>Offer use cases data to other companies if possible</a:t>
             </a:r>
           </a:p>
         </p:txBody>
       </p:sp>
       <p:pic>
         <p:nvPicPr>
-          <p:cNvPr id="7" name="Picture 6" descr="A computer screen shot of a diagram&#10;&#10;AI-generated content may be incorrect.">
+          <p:cNvPr id="9" name="Picture 8" descr="A computer screen shot of a diagram&#10;&#10;AI-generated content may be incorrect.">
             <a:extLst>
               <a:ext uri="{FF2B5EF4-FFF2-40B4-BE49-F238E27FC236}">
-                <a16:creationId xmlns:a16="http://schemas.microsoft.com/office/drawing/2014/main" id="{495C08A1-308F-8F42-21B7-895BDDB36313}"/>
+                <a16:creationId xmlns:a16="http://schemas.microsoft.com/office/drawing/2014/main" id="{94F9CAE8-6624-AD27-C075-E39CC0631452}"/>
               </a:ext>
             </a:extLst>
           </p:cNvPr>
@@ -5078,8 +6498,8 @@
         </p:blipFill>
         <p:spPr>
           <a:xfrm>
-            <a:off x="325120" y="743673"/>
-            <a:ext cx="7873698" cy="5518231"/>
+            <a:off x="321892" y="747048"/>
+            <a:ext cx="6891708" cy="5901183"/>
           </a:xfrm>
           <a:prstGeom prst="rect">
             <a:avLst/>
@@ -5088,85 +6508,10 @@
       </p:pic>
       <p:sp>
         <p:nvSpPr>
-          <p:cNvPr id="8" name="TextBox 7">
+          <p:cNvPr id="10" name="Rectangle 9">
             <a:extLst>
               <a:ext uri="{FF2B5EF4-FFF2-40B4-BE49-F238E27FC236}">
-                <a16:creationId xmlns:a16="http://schemas.microsoft.com/office/drawing/2014/main" id="{F0C79B5A-D755-B051-8101-CEDF69DC2EC2}"/>
-              </a:ext>
-            </a:extLst>
-          </p:cNvPr>
-          <p:cNvSpPr txBox="1"/>
-          <p:nvPr/>
-        </p:nvSpPr>
-        <p:spPr>
-          <a:xfrm>
-            <a:off x="8198818" y="3133456"/>
-            <a:ext cx="4170366" cy="369332"/>
-          </a:xfrm>
-          <a:prstGeom prst="rect">
-            <a:avLst/>
-          </a:prstGeom>
-          <a:noFill/>
-        </p:spPr>
-        <p:txBody>
-          <a:bodyPr wrap="square">
-            <a:spAutoFit/>
-          </a:bodyPr>
-          <a:lstStyle/>
-          <a:p>
-            <a:pPr>
-              <a:buNone/>
-            </a:pPr>
-            <a:r>
-              <a:rPr lang="en-US" b="1" dirty="0"/>
-              <a:t>Much simpler</a:t>
-            </a:r>
-            <a:endParaRPr lang="en-US" dirty="0"/>
-          </a:p>
-        </p:txBody>
-      </p:sp>
-    </p:spTree>
-    <p:extLst>
-      <p:ext uri="{BB962C8B-B14F-4D97-AF65-F5344CB8AC3E}">
-        <p14:creationId xmlns:p14="http://schemas.microsoft.com/office/powerpoint/2010/main" val="3782702752"/>
-      </p:ext>
-    </p:extLst>
-  </p:cSld>
-  <p:clrMapOvr>
-    <a:masterClrMapping/>
-  </p:clrMapOvr>
-</p:sld>
-</file>
-
-<file path=ppt/slides/slide7.xml><?xml version="1.0" encoding="utf-8"?>
-<p:sld xmlns:a="http://schemas.openxmlformats.org/drawingml/2006/main" xmlns:r="http://schemas.openxmlformats.org/officeDocument/2006/relationships" xmlns:p="http://schemas.openxmlformats.org/presentationml/2006/main">
-  <p:cSld>
-    <p:spTree>
-      <p:nvGrpSpPr>
-        <p:cNvPr id="1" name="">
-          <a:extLst>
-            <a:ext uri="{FF2B5EF4-FFF2-40B4-BE49-F238E27FC236}">
-              <a16:creationId xmlns:a16="http://schemas.microsoft.com/office/drawing/2014/main" id="{F6A8AC67-70BD-B311-27D5-42CB7E66A220}"/>
-            </a:ext>
-          </a:extLst>
-        </p:cNvPr>
-        <p:cNvGrpSpPr/>
-        <p:nvPr/>
-      </p:nvGrpSpPr>
-      <p:grpSpPr>
-        <a:xfrm>
-          <a:off x="0" y="0"/>
-          <a:ext cx="0" cy="0"/>
-          <a:chOff x="0" y="0"/>
-          <a:chExt cx="0" cy="0"/>
-        </a:xfrm>
-      </p:grpSpPr>
-      <p:sp>
-        <p:nvSpPr>
-          <p:cNvPr id="4" name="Rectangle 3">
-            <a:extLst>
-              <a:ext uri="{FF2B5EF4-FFF2-40B4-BE49-F238E27FC236}">
-                <a16:creationId xmlns:a16="http://schemas.microsoft.com/office/drawing/2014/main" id="{E072DDBD-C7F3-9AE0-C53A-FBAB0DDEE525}"/>
+                <a16:creationId xmlns:a16="http://schemas.microsoft.com/office/drawing/2014/main" id="{EA0D7C3A-8D42-4FAA-9A29-304A693358C1}"/>
               </a:ext>
             </a:extLst>
           </p:cNvPr>
@@ -5175,51 +6520,18 @@
         </p:nvSpPr>
         <p:spPr>
           <a:xfrm>
-            <a:off x="0" y="0"/>
-            <a:ext cx="12192000" cy="6858000"/>
+            <a:off x="4011930" y="4888230"/>
+            <a:ext cx="1291590" cy="1263050"/>
           </a:xfrm>
           <a:prstGeom prst="rect">
             <a:avLst/>
           </a:prstGeom>
-          <a:gradFill flip="none" rotWithShape="1">
-            <a:gsLst>
-              <a:gs pos="0">
-                <a:srgbClr val="BFEEC3">
-                  <a:shade val="30000"/>
-                  <a:satMod val="115000"/>
-                </a:srgbClr>
-              </a:gs>
-              <a:gs pos="50000">
-                <a:srgbClr val="BFEEC3">
-                  <a:shade val="67500"/>
-                  <a:satMod val="115000"/>
-                </a:srgbClr>
-              </a:gs>
-              <a:gs pos="100000">
-                <a:srgbClr val="BFEEC3">
-                  <a:shade val="100000"/>
-                  <a:satMod val="115000"/>
-                </a:srgbClr>
-              </a:gs>
-            </a:gsLst>
-            <a:lin ang="16200000" scaled="1"/>
-            <a:tileRect/>
-          </a:gradFill>
-          <a:ln>
-            <a:noFill/>
+          <a:noFill/>
+          <a:ln w="28575">
+            <a:solidFill>
+              <a:srgbClr val="FF0000"/>
+            </a:solidFill>
           </a:ln>
-          <a:effectLst>
-            <a:innerShdw blurRad="114300">
-              <a:prstClr val="black"/>
-            </a:innerShdw>
-          </a:effectLst>
-          <a:scene3d>
-            <a:camera prst="orthographicFront"/>
-            <a:lightRig rig="threePt" dir="t"/>
-          </a:scene3d>
-          <a:sp3d>
-            <a:bevelT w="139700" h="139700" prst="divot"/>
-          </a:sp3d>
         </p:spPr>
         <p:style>
           <a:lnRef idx="2">
@@ -5242,72 +6554,118 @@
           <a:lstStyle/>
           <a:p>
             <a:pPr algn="ctr"/>
-            <a:endParaRPr lang="en-US" dirty="0"/>
-          </a:p>
-        </p:txBody>
-      </p:sp>
-      <p:sp>
-        <p:nvSpPr>
-          <p:cNvPr id="2" name="Title 1">
+            <a:endParaRPr lang="en-US"/>
+          </a:p>
+        </p:txBody>
+      </p:sp>
+      <p:sp>
+        <p:nvSpPr>
+          <p:cNvPr id="11" name="Rectangle 10">
             <a:extLst>
               <a:ext uri="{FF2B5EF4-FFF2-40B4-BE49-F238E27FC236}">
-                <a16:creationId xmlns:a16="http://schemas.microsoft.com/office/drawing/2014/main" id="{2FEFBD52-F440-1E4C-AEE4-479D96146720}"/>
+                <a16:creationId xmlns:a16="http://schemas.microsoft.com/office/drawing/2014/main" id="{70080797-3A16-2918-E0A0-AC33A7DE5D32}"/>
               </a:ext>
             </a:extLst>
           </p:cNvPr>
-          <p:cNvSpPr txBox="1">
-            <a:spLocks/>
-          </p:cNvSpPr>
+          <p:cNvSpPr/>
           <p:nvPr/>
         </p:nvSpPr>
         <p:spPr>
           <a:xfrm>
-            <a:off x="1181100" y="658856"/>
-            <a:ext cx="9966960" cy="2926080"/>
+            <a:off x="466090" y="4634230"/>
+            <a:ext cx="3545840" cy="1939290"/>
           </a:xfrm>
           <a:prstGeom prst="rect">
             <a:avLst/>
           </a:prstGeom>
-        </p:spPr>
-        <p:txBody>
-          <a:bodyPr>
-            <a:normAutofit/>
-          </a:bodyPr>
-          <a:lstStyle>
-            <a:lvl1pPr algn="l" defTabSz="914400" rtl="0" eaLnBrk="1" latinLnBrk="0" hangingPunct="1">
-              <a:lnSpc>
-                <a:spcPct val="90000"/>
-              </a:lnSpc>
-              <a:spcBef>
-                <a:spcPct val="0"/>
-              </a:spcBef>
-              <a:buNone/>
-              <a:defRPr sz="4400" kern="1200">
-                <a:solidFill>
-                  <a:schemeClr val="accent1"/>
-                </a:solidFill>
-                <a:latin typeface="+mj-lt"/>
-                <a:ea typeface="+mj-ea"/>
-                <a:cs typeface="+mj-cs"/>
-              </a:defRPr>
-            </a:lvl1pPr>
-          </a:lstStyle>
-          <a:p>
-            <a:r>
-              <a:rPr lang="en-US" dirty="0">
-                <a:solidFill>
-                  <a:schemeClr val="tx1"/>
-                </a:solidFill>
-              </a:rPr>
-              <a:t>Thanks</a:t>
-            </a:r>
+          <a:noFill/>
+          <a:ln w="28575">
+            <a:solidFill>
+              <a:srgbClr val="FF0000"/>
+            </a:solidFill>
+          </a:ln>
+        </p:spPr>
+        <p:style>
+          <a:lnRef idx="2">
+            <a:schemeClr val="accent1">
+              <a:shade val="15000"/>
+            </a:schemeClr>
+          </a:lnRef>
+          <a:fillRef idx="1">
+            <a:schemeClr val="accent1"/>
+          </a:fillRef>
+          <a:effectRef idx="0">
+            <a:schemeClr val="accent1"/>
+          </a:effectRef>
+          <a:fontRef idx="minor">
+            <a:schemeClr val="lt1"/>
+          </a:fontRef>
+        </p:style>
+        <p:txBody>
+          <a:bodyPr rtlCol="0" anchor="ctr"/>
+          <a:lstStyle/>
+          <a:p>
+            <a:pPr algn="ctr"/>
+            <a:endParaRPr lang="en-US"/>
+          </a:p>
+        </p:txBody>
+      </p:sp>
+      <p:sp>
+        <p:nvSpPr>
+          <p:cNvPr id="12" name="Rectangle 11">
+            <a:extLst>
+              <a:ext uri="{FF2B5EF4-FFF2-40B4-BE49-F238E27FC236}">
+                <a16:creationId xmlns:a16="http://schemas.microsoft.com/office/drawing/2014/main" id="{A325554E-AAC5-0648-9DA6-C12B0D8E3430}"/>
+              </a:ext>
+            </a:extLst>
+          </p:cNvPr>
+          <p:cNvSpPr/>
+          <p:nvPr/>
+        </p:nvSpPr>
+        <p:spPr>
+          <a:xfrm>
+            <a:off x="5303520" y="4833366"/>
+            <a:ext cx="1792224" cy="1378458"/>
+          </a:xfrm>
+          <a:prstGeom prst="rect">
+            <a:avLst/>
+          </a:prstGeom>
+          <a:noFill/>
+          <a:ln w="28575">
+            <a:solidFill>
+              <a:srgbClr val="FF0000"/>
+            </a:solidFill>
+          </a:ln>
+        </p:spPr>
+        <p:style>
+          <a:lnRef idx="2">
+            <a:schemeClr val="accent1">
+              <a:shade val="15000"/>
+            </a:schemeClr>
+          </a:lnRef>
+          <a:fillRef idx="1">
+            <a:schemeClr val="accent1"/>
+          </a:fillRef>
+          <a:effectRef idx="0">
+            <a:schemeClr val="accent1"/>
+          </a:effectRef>
+          <a:fontRef idx="minor">
+            <a:schemeClr val="lt1"/>
+          </a:fontRef>
+        </p:style>
+        <p:txBody>
+          <a:bodyPr rtlCol="0" anchor="ctr"/>
+          <a:lstStyle/>
+          <a:p>
+            <a:pPr algn="ctr"/>
+            <a:endParaRPr lang="en-US"/>
           </a:p>
         </p:txBody>
       </p:sp>
     </p:spTree>
     <p:extLst>
       <p:ext uri="{BB962C8B-B14F-4D97-AF65-F5344CB8AC3E}">
-        <p14:creationId xmlns:p14="http://schemas.microsoft.com/office/powerpoint/2010/main" val="2146583931"/>
+        <p14:creationId xmlns:p14="http://schemas.microsoft.com/office/powerpoint/2010/main" val="2931494759"/>
       </p:ext>
     </p:extLst>
   </p:cSld>

--- a/documentation/Hackathon presnetation.pptx
+++ b/documentation/Hackathon presnetation.pptx
@@ -4646,6 +4646,54 @@
           </a:fontRef>
         </p:style>
       </p:cxnSp>
+      <p:sp>
+        <p:nvSpPr>
+          <p:cNvPr id="2" name="TextBox 1">
+            <a:extLst>
+              <a:ext uri="{FF2B5EF4-FFF2-40B4-BE49-F238E27FC236}">
+                <a16:creationId xmlns:a16="http://schemas.microsoft.com/office/drawing/2014/main" id="{F6E30223-F9D2-16CE-A569-7F4B587B5A27}"/>
+              </a:ext>
+            </a:extLst>
+          </p:cNvPr>
+          <p:cNvSpPr txBox="1"/>
+          <p:nvPr/>
+        </p:nvSpPr>
+        <p:spPr>
+          <a:xfrm>
+            <a:off x="779094" y="5225133"/>
+            <a:ext cx="4544745" cy="646331"/>
+          </a:xfrm>
+          <a:prstGeom prst="rect">
+            <a:avLst/>
+          </a:prstGeom>
+          <a:noFill/>
+        </p:spPr>
+        <p:txBody>
+          <a:bodyPr wrap="square">
+            <a:spAutoFit/>
+          </a:bodyPr>
+          <a:lstStyle/>
+          <a:p>
+            <a:pPr marL="285750" indent="-285750">
+              <a:buFont typeface="Arial" panose="020B0604020202020204" pitchFamily="34" charset="0"/>
+              <a:buChar char="•"/>
+            </a:pPr>
+            <a:r>
+              <a:rPr lang="en-US" dirty="0">
+                <a:solidFill>
+                  <a:schemeClr val="bg1"/>
+                </a:solidFill>
+              </a:rPr>
+              <a:t>Germany intends to increase these numbers from 20GWh to 100GWh by 2030</a:t>
+            </a:r>
+            <a:endParaRPr lang="en-US" b="1" dirty="0">
+              <a:solidFill>
+                <a:schemeClr val="bg1"/>
+              </a:solidFill>
+            </a:endParaRPr>
+          </a:p>
+        </p:txBody>
+      </p:sp>
     </p:spTree>
     <p:extLst>
       <p:ext uri="{BB962C8B-B14F-4D97-AF65-F5344CB8AC3E}">
